--- a/eStore - Documentação/_Apresentação.pptx
+++ b/eStore - Documentação/_Apresentação.pptx
@@ -8,8 +8,16 @@
     <p:sldId id="256" r:id="rId2"/>
     <p:sldId id="257" r:id="rId3"/>
     <p:sldId id="258" r:id="rId4"/>
-    <p:sldId id="259" r:id="rId5"/>
-    <p:sldId id="260" r:id="rId6"/>
+    <p:sldId id="262" r:id="rId5"/>
+    <p:sldId id="263" r:id="rId6"/>
+    <p:sldId id="264" r:id="rId7"/>
+    <p:sldId id="265" r:id="rId8"/>
+    <p:sldId id="266" r:id="rId9"/>
+    <p:sldId id="267" r:id="rId10"/>
+    <p:sldId id="268" r:id="rId11"/>
+    <p:sldId id="269" r:id="rId12"/>
+    <p:sldId id="270" r:id="rId13"/>
+    <p:sldId id="259" r:id="rId14"/>
   </p:sldIdLst>
   <p:sldSz cx="12192000" cy="6858000"/>
   <p:notesSz cx="6858000" cy="9144000"/>
@@ -108,6 +116,11 @@
       </a:defRPr>
     </a:lvl9pPr>
   </p:defaultTextStyle>
+  <p:extLst>
+    <p:ext uri="{EFAFB233-063F-42B5-8137-9DF3F51BA10A}">
+      <p15:sldGuideLst xmlns:p15="http://schemas.microsoft.com/office/powerpoint/2012/main"/>
+    </p:ext>
+  </p:extLst>
 </p:presentation>
 </file>
 
@@ -4076,6 +4089,309 @@
 </p:sld>
 </file>
 
+<file path=ppt/slides/slide10.xml><?xml version="1.0" encoding="utf-8"?>
+<p:sld xmlns:a="http://schemas.openxmlformats.org/drawingml/2006/main" xmlns:r="http://schemas.openxmlformats.org/officeDocument/2006/relationships" xmlns:p="http://schemas.openxmlformats.org/presentationml/2006/main">
+  <p:cSld>
+    <p:spTree>
+      <p:nvGrpSpPr>
+        <p:cNvPr id="1" name=""/>
+        <p:cNvGrpSpPr/>
+        <p:nvPr/>
+      </p:nvGrpSpPr>
+      <p:grpSpPr>
+        <a:xfrm>
+          <a:off x="0" y="0"/>
+          <a:ext cx="0" cy="0"/>
+          <a:chOff x="0" y="0"/>
+          <a:chExt cx="0" cy="0"/>
+        </a:xfrm>
+      </p:grpSpPr>
+      <p:sp>
+        <p:nvSpPr>
+          <p:cNvPr id="4" name="Título 3"/>
+          <p:cNvSpPr>
+            <a:spLocks noGrp="1"/>
+          </p:cNvSpPr>
+          <p:nvPr>
+            <p:ph type="title"/>
+          </p:nvPr>
+        </p:nvSpPr>
+        <p:spPr/>
+        <p:txBody>
+          <a:bodyPr/>
+          <a:lstStyle/>
+          <a:p>
+            <a:r>
+              <a:rPr lang="pt-BR" dirty="0" smtClean="0"/>
+              <a:t>Gerenciar Pedido</a:t>
+            </a:r>
+            <a:endParaRPr lang="pt-BR" dirty="0"/>
+          </a:p>
+        </p:txBody>
+      </p:sp>
+      <p:sp>
+        <p:nvSpPr>
+          <p:cNvPr id="5" name="Espaço Reservado para Texto 4"/>
+          <p:cNvSpPr>
+            <a:spLocks noGrp="1"/>
+          </p:cNvSpPr>
+          <p:nvPr>
+            <p:ph type="body" idx="1"/>
+          </p:nvPr>
+        </p:nvSpPr>
+        <p:spPr/>
+        <p:txBody>
+          <a:bodyPr/>
+          <a:lstStyle/>
+          <a:p>
+            <a:endParaRPr lang="pt-BR"/>
+          </a:p>
+        </p:txBody>
+      </p:sp>
+    </p:spTree>
+    <p:extLst>
+      <p:ext uri="{BB962C8B-B14F-4D97-AF65-F5344CB8AC3E}">
+        <p14:creationId xmlns:p14="http://schemas.microsoft.com/office/powerpoint/2010/main" val="4016149448"/>
+      </p:ext>
+    </p:extLst>
+  </p:cSld>
+  <p:clrMapOvr>
+    <a:masterClrMapping/>
+  </p:clrMapOvr>
+</p:sld>
+</file>
+
+<file path=ppt/slides/slide11.xml><?xml version="1.0" encoding="utf-8"?>
+<p:sld xmlns:a="http://schemas.openxmlformats.org/drawingml/2006/main" xmlns:r="http://schemas.openxmlformats.org/officeDocument/2006/relationships" xmlns:p="http://schemas.openxmlformats.org/presentationml/2006/main">
+  <p:cSld>
+    <p:spTree>
+      <p:nvGrpSpPr>
+        <p:cNvPr id="1" name=""/>
+        <p:cNvGrpSpPr/>
+        <p:nvPr/>
+      </p:nvGrpSpPr>
+      <p:grpSpPr>
+        <a:xfrm>
+          <a:off x="0" y="0"/>
+          <a:ext cx="0" cy="0"/>
+          <a:chOff x="0" y="0"/>
+          <a:chExt cx="0" cy="0"/>
+        </a:xfrm>
+      </p:grpSpPr>
+      <p:sp>
+        <p:nvSpPr>
+          <p:cNvPr id="4" name="Título 3"/>
+          <p:cNvSpPr>
+            <a:spLocks noGrp="1"/>
+          </p:cNvSpPr>
+          <p:nvPr>
+            <p:ph type="title"/>
+          </p:nvPr>
+        </p:nvSpPr>
+        <p:spPr/>
+        <p:txBody>
+          <a:bodyPr/>
+          <a:lstStyle/>
+          <a:p>
+            <a:r>
+              <a:rPr lang="pt-BR" dirty="0" smtClean="0"/>
+              <a:t>Diagrama</a:t>
+            </a:r>
+            <a:endParaRPr lang="pt-BR" dirty="0"/>
+          </a:p>
+        </p:txBody>
+      </p:sp>
+      <p:sp>
+        <p:nvSpPr>
+          <p:cNvPr id="7" name="Espaço Reservado para Conteúdo 6"/>
+          <p:cNvSpPr>
+            <a:spLocks noGrp="1"/>
+          </p:cNvSpPr>
+          <p:nvPr>
+            <p:ph idx="1"/>
+          </p:nvPr>
+        </p:nvSpPr>
+        <p:spPr/>
+        <p:txBody>
+          <a:bodyPr/>
+          <a:lstStyle/>
+          <a:p>
+            <a:endParaRPr lang="pt-BR" dirty="0"/>
+          </a:p>
+        </p:txBody>
+      </p:sp>
+    </p:spTree>
+    <p:extLst>
+      <p:ext uri="{BB962C8B-B14F-4D97-AF65-F5344CB8AC3E}">
+        <p14:creationId xmlns:p14="http://schemas.microsoft.com/office/powerpoint/2010/main" val="4064168474"/>
+      </p:ext>
+    </p:extLst>
+  </p:cSld>
+  <p:clrMapOvr>
+    <a:masterClrMapping/>
+  </p:clrMapOvr>
+</p:sld>
+</file>
+
+<file path=ppt/slides/slide12.xml><?xml version="1.0" encoding="utf-8"?>
+<p:sld xmlns:a="http://schemas.openxmlformats.org/drawingml/2006/main" xmlns:r="http://schemas.openxmlformats.org/officeDocument/2006/relationships" xmlns:p="http://schemas.openxmlformats.org/presentationml/2006/main">
+  <p:cSld>
+    <p:spTree>
+      <p:nvGrpSpPr>
+        <p:cNvPr id="1" name=""/>
+        <p:cNvGrpSpPr/>
+        <p:nvPr/>
+      </p:nvGrpSpPr>
+      <p:grpSpPr>
+        <a:xfrm>
+          <a:off x="0" y="0"/>
+          <a:ext cx="0" cy="0"/>
+          <a:chOff x="0" y="0"/>
+          <a:chExt cx="0" cy="0"/>
+        </a:xfrm>
+      </p:grpSpPr>
+      <p:sp>
+        <p:nvSpPr>
+          <p:cNvPr id="2" name="Título 1"/>
+          <p:cNvSpPr>
+            <a:spLocks noGrp="1"/>
+          </p:cNvSpPr>
+          <p:nvPr>
+            <p:ph type="title"/>
+          </p:nvPr>
+        </p:nvSpPr>
+        <p:spPr/>
+        <p:txBody>
+          <a:bodyPr/>
+          <a:lstStyle/>
+          <a:p>
+            <a:r>
+              <a:rPr lang="pt-BR" dirty="0" smtClean="0"/>
+              <a:t>Roteiro de testes</a:t>
+            </a:r>
+            <a:endParaRPr lang="pt-BR" dirty="0"/>
+          </a:p>
+        </p:txBody>
+      </p:sp>
+      <p:sp>
+        <p:nvSpPr>
+          <p:cNvPr id="3" name="Espaço Reservado para Conteúdo 2"/>
+          <p:cNvSpPr>
+            <a:spLocks noGrp="1"/>
+          </p:cNvSpPr>
+          <p:nvPr>
+            <p:ph idx="1"/>
+          </p:nvPr>
+        </p:nvSpPr>
+        <p:spPr/>
+        <p:txBody>
+          <a:bodyPr/>
+          <a:lstStyle/>
+          <a:p>
+            <a:r>
+              <a:rPr lang="pt-BR" dirty="0" smtClean="0"/>
+              <a:t>Listar Pedido</a:t>
+            </a:r>
+          </a:p>
+          <a:p>
+            <a:r>
+              <a:rPr lang="pt-BR" dirty="0" smtClean="0"/>
+              <a:t>Alterar Status do Pedido</a:t>
+            </a:r>
+          </a:p>
+          <a:p>
+            <a:r>
+              <a:rPr lang="pt-BR" dirty="0" smtClean="0"/>
+              <a:t>Cancelar Pedido</a:t>
+            </a:r>
+          </a:p>
+        </p:txBody>
+      </p:sp>
+    </p:spTree>
+    <p:extLst>
+      <p:ext uri="{BB962C8B-B14F-4D97-AF65-F5344CB8AC3E}">
+        <p14:creationId xmlns:p14="http://schemas.microsoft.com/office/powerpoint/2010/main" val="3210554063"/>
+      </p:ext>
+    </p:extLst>
+  </p:cSld>
+  <p:clrMapOvr>
+    <a:masterClrMapping/>
+  </p:clrMapOvr>
+</p:sld>
+</file>
+
+<file path=ppt/slides/slide13.xml><?xml version="1.0" encoding="utf-8"?>
+<p:sld xmlns:a="http://schemas.openxmlformats.org/drawingml/2006/main" xmlns:r="http://schemas.openxmlformats.org/officeDocument/2006/relationships" xmlns:p="http://schemas.openxmlformats.org/presentationml/2006/main">
+  <p:cSld>
+    <p:spTree>
+      <p:nvGrpSpPr>
+        <p:cNvPr id="1" name=""/>
+        <p:cNvGrpSpPr/>
+        <p:nvPr/>
+      </p:nvGrpSpPr>
+      <p:grpSpPr>
+        <a:xfrm>
+          <a:off x="0" y="0"/>
+          <a:ext cx="0" cy="0"/>
+          <a:chOff x="0" y="0"/>
+          <a:chExt cx="0" cy="0"/>
+        </a:xfrm>
+      </p:grpSpPr>
+      <p:sp>
+        <p:nvSpPr>
+          <p:cNvPr id="2" name="Título 1"/>
+          <p:cNvSpPr>
+            <a:spLocks noGrp="1"/>
+          </p:cNvSpPr>
+          <p:nvPr>
+            <p:ph type="title"/>
+          </p:nvPr>
+        </p:nvSpPr>
+        <p:spPr/>
+        <p:txBody>
+          <a:bodyPr/>
+          <a:lstStyle/>
+          <a:p>
+            <a:r>
+              <a:rPr lang="pt-BR" dirty="0" smtClean="0"/>
+              <a:t>Diagramas de sequência (se necessário)</a:t>
+            </a:r>
+            <a:endParaRPr lang="pt-BR" dirty="0"/>
+          </a:p>
+        </p:txBody>
+      </p:sp>
+      <p:sp>
+        <p:nvSpPr>
+          <p:cNvPr id="3" name="Espaço Reservado para Conteúdo 2"/>
+          <p:cNvSpPr>
+            <a:spLocks noGrp="1"/>
+          </p:cNvSpPr>
+          <p:nvPr>
+            <p:ph idx="1"/>
+          </p:nvPr>
+        </p:nvSpPr>
+        <p:spPr/>
+        <p:txBody>
+          <a:bodyPr/>
+          <a:lstStyle/>
+          <a:p>
+            <a:endParaRPr lang="pt-BR" dirty="0"/>
+          </a:p>
+        </p:txBody>
+      </p:sp>
+    </p:spTree>
+    <p:extLst>
+      <p:ext uri="{BB962C8B-B14F-4D97-AF65-F5344CB8AC3E}">
+        <p14:creationId xmlns:p14="http://schemas.microsoft.com/office/powerpoint/2010/main" val="1384974569"/>
+      </p:ext>
+    </p:extLst>
+  </p:cSld>
+  <p:clrMapOvr>
+    <a:masterClrMapping/>
+  </p:clrMapOvr>
+</p:sld>
+</file>
+
 <file path=ppt/slides/slide2.xml><?xml version="1.0" encoding="utf-8"?>
 <p:sld xmlns:a="http://schemas.openxmlformats.org/drawingml/2006/main" xmlns:r="http://schemas.openxmlformats.org/officeDocument/2006/relationships" xmlns:p="http://schemas.openxmlformats.org/presentationml/2006/main">
   <p:cSld>
@@ -4207,7 +4523,23 @@
           <a:bodyPr/>
           <a:lstStyle/>
           <a:p>
-            <a:endParaRPr lang="pt-BR"/>
+            <a:r>
+              <a:rPr lang="pt-BR" dirty="0" smtClean="0"/>
+              <a:t>Gerenciar Produto</a:t>
+            </a:r>
+          </a:p>
+          <a:p>
+            <a:r>
+              <a:rPr lang="pt-BR" dirty="0" smtClean="0"/>
+              <a:t>Realizar Compra</a:t>
+            </a:r>
+          </a:p>
+          <a:p>
+            <a:r>
+              <a:rPr lang="pt-BR" dirty="0" smtClean="0"/>
+              <a:t>Gerenciar Pedido</a:t>
+            </a:r>
+            <a:endParaRPr lang="pt-BR" dirty="0"/>
           </a:p>
         </p:txBody>
       </p:sp>
@@ -4243,7 +4575,7 @@
       </p:grpSpPr>
       <p:sp>
         <p:nvSpPr>
-          <p:cNvPr id="2" name="Título 1"/>
+          <p:cNvPr id="4" name="Título 3"/>
           <p:cNvSpPr>
             <a:spLocks noGrp="1"/>
           </p:cNvSpPr>
@@ -4258,7 +4590,7 @@
           <a:p>
             <a:r>
               <a:rPr lang="pt-BR" dirty="0" smtClean="0"/>
-              <a:t>Diagramas de sequência (se necessário)</a:t>
+              <a:t>Gerenciar produto</a:t>
             </a:r>
             <a:endParaRPr lang="pt-BR" dirty="0"/>
           </a:p>
@@ -4266,27 +4598,27 @@
       </p:sp>
       <p:sp>
         <p:nvSpPr>
-          <p:cNvPr id="3" name="Espaço Reservado para Conteúdo 2"/>
-          <p:cNvSpPr>
-            <a:spLocks noGrp="1"/>
-          </p:cNvSpPr>
-          <p:nvPr>
-            <p:ph idx="1"/>
-          </p:nvPr>
-        </p:nvSpPr>
-        <p:spPr/>
-        <p:txBody>
-          <a:bodyPr/>
-          <a:lstStyle/>
-          <a:p>
-            <a:endParaRPr lang="pt-BR" dirty="0"/>
+          <p:cNvPr id="5" name="Espaço Reservado para Texto 4"/>
+          <p:cNvSpPr>
+            <a:spLocks noGrp="1"/>
+          </p:cNvSpPr>
+          <p:nvPr>
+            <p:ph type="body" idx="1"/>
+          </p:nvPr>
+        </p:nvSpPr>
+        <p:spPr/>
+        <p:txBody>
+          <a:bodyPr/>
+          <a:lstStyle/>
+          <a:p>
+            <a:endParaRPr lang="pt-BR"/>
           </a:p>
         </p:txBody>
       </p:sp>
     </p:spTree>
     <p:extLst>
       <p:ext uri="{BB962C8B-B14F-4D97-AF65-F5344CB8AC3E}">
-        <p14:creationId xmlns:p14="http://schemas.microsoft.com/office/powerpoint/2010/main" val="1384974569"/>
+        <p14:creationId xmlns:p14="http://schemas.microsoft.com/office/powerpoint/2010/main" val="3182106498"/>
       </p:ext>
     </p:extLst>
   </p:cSld>
@@ -4315,7 +4647,7 @@
       </p:grpSpPr>
       <p:sp>
         <p:nvSpPr>
-          <p:cNvPr id="2" name="Título 1"/>
+          <p:cNvPr id="4" name="Título 3"/>
           <p:cNvSpPr>
             <a:spLocks noGrp="1"/>
           </p:cNvSpPr>
@@ -4330,7 +4662,7 @@
           <a:p>
             <a:r>
               <a:rPr lang="pt-BR" dirty="0" smtClean="0"/>
-              <a:t>Roteiro de testes</a:t>
+              <a:t>Diagrama</a:t>
             </a:r>
             <a:endParaRPr lang="pt-BR" dirty="0"/>
           </a:p>
@@ -4338,7 +4670,7 @@
       </p:sp>
       <p:sp>
         <p:nvSpPr>
-          <p:cNvPr id="3" name="Espaço Reservado para Conteúdo 2"/>
+          <p:cNvPr id="7" name="Espaço Reservado para Conteúdo 6"/>
           <p:cNvSpPr>
             <a:spLocks noGrp="1"/>
           </p:cNvSpPr>
@@ -4351,14 +4683,335 @@
           <a:bodyPr/>
           <a:lstStyle/>
           <a:p>
-            <a:endParaRPr lang="pt-BR"/>
+            <a:endParaRPr lang="pt-BR" dirty="0"/>
           </a:p>
         </p:txBody>
       </p:sp>
     </p:spTree>
     <p:extLst>
       <p:ext uri="{BB962C8B-B14F-4D97-AF65-F5344CB8AC3E}">
-        <p14:creationId xmlns:p14="http://schemas.microsoft.com/office/powerpoint/2010/main" val="880453541"/>
+        <p14:creationId xmlns:p14="http://schemas.microsoft.com/office/powerpoint/2010/main" val="1544437177"/>
+      </p:ext>
+    </p:extLst>
+  </p:cSld>
+  <p:clrMapOvr>
+    <a:masterClrMapping/>
+  </p:clrMapOvr>
+</p:sld>
+</file>
+
+<file path=ppt/slides/slide6.xml><?xml version="1.0" encoding="utf-8"?>
+<p:sld xmlns:a="http://schemas.openxmlformats.org/drawingml/2006/main" xmlns:r="http://schemas.openxmlformats.org/officeDocument/2006/relationships" xmlns:p="http://schemas.openxmlformats.org/presentationml/2006/main">
+  <p:cSld>
+    <p:spTree>
+      <p:nvGrpSpPr>
+        <p:cNvPr id="1" name=""/>
+        <p:cNvGrpSpPr/>
+        <p:nvPr/>
+      </p:nvGrpSpPr>
+      <p:grpSpPr>
+        <a:xfrm>
+          <a:off x="0" y="0"/>
+          <a:ext cx="0" cy="0"/>
+          <a:chOff x="0" y="0"/>
+          <a:chExt cx="0" cy="0"/>
+        </a:xfrm>
+      </p:grpSpPr>
+      <p:sp>
+        <p:nvSpPr>
+          <p:cNvPr id="2" name="Título 1"/>
+          <p:cNvSpPr>
+            <a:spLocks noGrp="1"/>
+          </p:cNvSpPr>
+          <p:nvPr>
+            <p:ph type="title"/>
+          </p:nvPr>
+        </p:nvSpPr>
+        <p:spPr/>
+        <p:txBody>
+          <a:bodyPr/>
+          <a:lstStyle/>
+          <a:p>
+            <a:r>
+              <a:rPr lang="pt-BR" dirty="0" smtClean="0"/>
+              <a:t>Roteiro de testes</a:t>
+            </a:r>
+            <a:endParaRPr lang="pt-BR" dirty="0"/>
+          </a:p>
+        </p:txBody>
+      </p:sp>
+      <p:sp>
+        <p:nvSpPr>
+          <p:cNvPr id="3" name="Espaço Reservado para Conteúdo 2"/>
+          <p:cNvSpPr>
+            <a:spLocks noGrp="1"/>
+          </p:cNvSpPr>
+          <p:nvPr>
+            <p:ph idx="1"/>
+          </p:nvPr>
+        </p:nvSpPr>
+        <p:spPr/>
+        <p:txBody>
+          <a:bodyPr/>
+          <a:lstStyle/>
+          <a:p>
+            <a:r>
+              <a:rPr lang="pt-BR" dirty="0" smtClean="0"/>
+              <a:t>Criar Produto</a:t>
+            </a:r>
+          </a:p>
+          <a:p>
+            <a:pPr lvl="1"/>
+            <a:r>
+              <a:rPr lang="pt-BR" dirty="0" smtClean="0"/>
+              <a:t>Criar Categoria</a:t>
+            </a:r>
+          </a:p>
+          <a:p>
+            <a:pPr lvl="1"/>
+            <a:endParaRPr lang="pt-BR" dirty="0" smtClean="0"/>
+          </a:p>
+          <a:p>
+            <a:r>
+              <a:rPr lang="pt-BR" dirty="0" smtClean="0"/>
+              <a:t>Editar Produto</a:t>
+            </a:r>
+          </a:p>
+          <a:p>
+            <a:r>
+              <a:rPr lang="pt-BR" dirty="0" smtClean="0"/>
+              <a:t>Deletar Produto</a:t>
+            </a:r>
+          </a:p>
+          <a:p>
+            <a:r>
+              <a:rPr lang="pt-BR" dirty="0" smtClean="0"/>
+              <a:t>Listar Produto</a:t>
+            </a:r>
+            <a:endParaRPr lang="pt-BR" dirty="0"/>
+          </a:p>
+        </p:txBody>
+      </p:sp>
+    </p:spTree>
+    <p:extLst>
+      <p:ext uri="{BB962C8B-B14F-4D97-AF65-F5344CB8AC3E}">
+        <p14:creationId xmlns:p14="http://schemas.microsoft.com/office/powerpoint/2010/main" val="475031122"/>
+      </p:ext>
+    </p:extLst>
+  </p:cSld>
+  <p:clrMapOvr>
+    <a:masterClrMapping/>
+  </p:clrMapOvr>
+</p:sld>
+</file>
+
+<file path=ppt/slides/slide7.xml><?xml version="1.0" encoding="utf-8"?>
+<p:sld xmlns:a="http://schemas.openxmlformats.org/drawingml/2006/main" xmlns:r="http://schemas.openxmlformats.org/officeDocument/2006/relationships" xmlns:p="http://schemas.openxmlformats.org/presentationml/2006/main">
+  <p:cSld>
+    <p:spTree>
+      <p:nvGrpSpPr>
+        <p:cNvPr id="1" name=""/>
+        <p:cNvGrpSpPr/>
+        <p:nvPr/>
+      </p:nvGrpSpPr>
+      <p:grpSpPr>
+        <a:xfrm>
+          <a:off x="0" y="0"/>
+          <a:ext cx="0" cy="0"/>
+          <a:chOff x="0" y="0"/>
+          <a:chExt cx="0" cy="0"/>
+        </a:xfrm>
+      </p:grpSpPr>
+      <p:sp>
+        <p:nvSpPr>
+          <p:cNvPr id="2" name="Título 1"/>
+          <p:cNvSpPr>
+            <a:spLocks noGrp="1"/>
+          </p:cNvSpPr>
+          <p:nvPr>
+            <p:ph type="title"/>
+          </p:nvPr>
+        </p:nvSpPr>
+        <p:spPr/>
+        <p:txBody>
+          <a:bodyPr/>
+          <a:lstStyle/>
+          <a:p>
+            <a:r>
+              <a:rPr lang="pt-BR" dirty="0" smtClean="0"/>
+              <a:t>Realizar Compra</a:t>
+            </a:r>
+            <a:endParaRPr lang="pt-BR" dirty="0"/>
+          </a:p>
+        </p:txBody>
+      </p:sp>
+      <p:sp>
+        <p:nvSpPr>
+          <p:cNvPr id="4" name="Espaço Reservado para Texto 3"/>
+          <p:cNvSpPr>
+            <a:spLocks noGrp="1"/>
+          </p:cNvSpPr>
+          <p:nvPr>
+            <p:ph type="body" idx="1"/>
+          </p:nvPr>
+        </p:nvSpPr>
+        <p:spPr/>
+        <p:txBody>
+          <a:bodyPr/>
+          <a:lstStyle/>
+          <a:p>
+            <a:endParaRPr lang="pt-BR"/>
+          </a:p>
+        </p:txBody>
+      </p:sp>
+    </p:spTree>
+    <p:extLst>
+      <p:ext uri="{BB962C8B-B14F-4D97-AF65-F5344CB8AC3E}">
+        <p14:creationId xmlns:p14="http://schemas.microsoft.com/office/powerpoint/2010/main" val="3099131342"/>
+      </p:ext>
+    </p:extLst>
+  </p:cSld>
+  <p:clrMapOvr>
+    <a:masterClrMapping/>
+  </p:clrMapOvr>
+</p:sld>
+</file>
+
+<file path=ppt/slides/slide8.xml><?xml version="1.0" encoding="utf-8"?>
+<p:sld xmlns:a="http://schemas.openxmlformats.org/drawingml/2006/main" xmlns:r="http://schemas.openxmlformats.org/officeDocument/2006/relationships" xmlns:p="http://schemas.openxmlformats.org/presentationml/2006/main">
+  <p:cSld>
+    <p:spTree>
+      <p:nvGrpSpPr>
+        <p:cNvPr id="1" name=""/>
+        <p:cNvGrpSpPr/>
+        <p:nvPr/>
+      </p:nvGrpSpPr>
+      <p:grpSpPr>
+        <a:xfrm>
+          <a:off x="0" y="0"/>
+          <a:ext cx="0" cy="0"/>
+          <a:chOff x="0" y="0"/>
+          <a:chExt cx="0" cy="0"/>
+        </a:xfrm>
+      </p:grpSpPr>
+      <p:sp>
+        <p:nvSpPr>
+          <p:cNvPr id="2" name="Título 1"/>
+          <p:cNvSpPr>
+            <a:spLocks noGrp="1"/>
+          </p:cNvSpPr>
+          <p:nvPr>
+            <p:ph type="title"/>
+          </p:nvPr>
+        </p:nvSpPr>
+        <p:spPr/>
+        <p:txBody>
+          <a:bodyPr/>
+          <a:lstStyle/>
+          <a:p>
+            <a:r>
+              <a:rPr lang="pt-BR" dirty="0" smtClean="0"/>
+              <a:t>Diagrama</a:t>
+            </a:r>
+            <a:endParaRPr lang="pt-BR" dirty="0"/>
+          </a:p>
+        </p:txBody>
+      </p:sp>
+      <p:sp>
+        <p:nvSpPr>
+          <p:cNvPr id="3" name="Espaço Reservado para Conteúdo 2"/>
+          <p:cNvSpPr>
+            <a:spLocks noGrp="1"/>
+          </p:cNvSpPr>
+          <p:nvPr>
+            <p:ph idx="1"/>
+          </p:nvPr>
+        </p:nvSpPr>
+        <p:spPr/>
+        <p:txBody>
+          <a:bodyPr/>
+          <a:lstStyle/>
+          <a:p>
+            <a:endParaRPr lang="pt-BR"/>
+          </a:p>
+        </p:txBody>
+      </p:sp>
+    </p:spTree>
+    <p:extLst>
+      <p:ext uri="{BB962C8B-B14F-4D97-AF65-F5344CB8AC3E}">
+        <p14:creationId xmlns:p14="http://schemas.microsoft.com/office/powerpoint/2010/main" val="1064211771"/>
+      </p:ext>
+    </p:extLst>
+  </p:cSld>
+  <p:clrMapOvr>
+    <a:masterClrMapping/>
+  </p:clrMapOvr>
+</p:sld>
+</file>
+
+<file path=ppt/slides/slide9.xml><?xml version="1.0" encoding="utf-8"?>
+<p:sld xmlns:a="http://schemas.openxmlformats.org/drawingml/2006/main" xmlns:r="http://schemas.openxmlformats.org/officeDocument/2006/relationships" xmlns:p="http://schemas.openxmlformats.org/presentationml/2006/main">
+  <p:cSld>
+    <p:spTree>
+      <p:nvGrpSpPr>
+        <p:cNvPr id="1" name=""/>
+        <p:cNvGrpSpPr/>
+        <p:nvPr/>
+      </p:nvGrpSpPr>
+      <p:grpSpPr>
+        <a:xfrm>
+          <a:off x="0" y="0"/>
+          <a:ext cx="0" cy="0"/>
+          <a:chOff x="0" y="0"/>
+          <a:chExt cx="0" cy="0"/>
+        </a:xfrm>
+      </p:grpSpPr>
+      <p:sp>
+        <p:nvSpPr>
+          <p:cNvPr id="2" name="Título 1"/>
+          <p:cNvSpPr>
+            <a:spLocks noGrp="1"/>
+          </p:cNvSpPr>
+          <p:nvPr>
+            <p:ph type="title"/>
+          </p:nvPr>
+        </p:nvSpPr>
+        <p:spPr/>
+        <p:txBody>
+          <a:bodyPr/>
+          <a:lstStyle/>
+          <a:p>
+            <a:r>
+              <a:rPr lang="pt-BR" dirty="0" smtClean="0"/>
+              <a:t>Roteiro de Testes</a:t>
+            </a:r>
+            <a:endParaRPr lang="pt-BR" dirty="0"/>
+          </a:p>
+        </p:txBody>
+      </p:sp>
+      <p:sp>
+        <p:nvSpPr>
+          <p:cNvPr id="3" name="Espaço Reservado para Conteúdo 2"/>
+          <p:cNvSpPr>
+            <a:spLocks noGrp="1"/>
+          </p:cNvSpPr>
+          <p:nvPr>
+            <p:ph idx="1"/>
+          </p:nvPr>
+        </p:nvSpPr>
+        <p:spPr/>
+        <p:txBody>
+          <a:bodyPr/>
+          <a:lstStyle/>
+          <a:p>
+            <a:endParaRPr lang="pt-BR"/>
+          </a:p>
+        </p:txBody>
+      </p:sp>
+    </p:spTree>
+    <p:extLst>
+      <p:ext uri="{BB962C8B-B14F-4D97-AF65-F5344CB8AC3E}">
+        <p14:creationId xmlns:p14="http://schemas.microsoft.com/office/powerpoint/2010/main" val="2389268568"/>
       </p:ext>
     </p:extLst>
   </p:cSld>

--- a/eStore - Documentação/_Apresentação.pptx
+++ b/eStore - Documentação/_Apresentação.pptx
@@ -4,6 +4,9 @@
   <p:sldMasterIdLst>
     <p:sldMasterId id="2147483783" r:id="rId1"/>
   </p:sldMasterIdLst>
+  <p:notesMasterIdLst>
+    <p:notesMasterId r:id="rId16"/>
+  </p:notesMasterIdLst>
   <p:sldIdLst>
     <p:sldId id="256" r:id="rId2"/>
     <p:sldId id="257" r:id="rId3"/>
@@ -18,6 +21,7 @@
     <p:sldId id="269" r:id="rId12"/>
     <p:sldId id="270" r:id="rId13"/>
     <p:sldId id="259" r:id="rId14"/>
+    <p:sldId id="271" r:id="rId15"/>
   </p:sldIdLst>
   <p:sldSz cx="12192000" cy="6858000"/>
   <p:notesSz cx="6858000" cy="9144000"/>
@@ -124,6 +128,440 @@
 </p:presentation>
 </file>
 
+<file path=ppt/notesMasters/notesMaster1.xml><?xml version="1.0" encoding="utf-8"?>
+<p:notesMaster xmlns:a="http://schemas.openxmlformats.org/drawingml/2006/main" xmlns:r="http://schemas.openxmlformats.org/officeDocument/2006/relationships" xmlns:p="http://schemas.openxmlformats.org/presentationml/2006/main">
+  <p:cSld>
+    <p:bg>
+      <p:bgRef idx="1001">
+        <a:schemeClr val="bg1"/>
+      </p:bgRef>
+    </p:bg>
+    <p:spTree>
+      <p:nvGrpSpPr>
+        <p:cNvPr id="1" name=""/>
+        <p:cNvGrpSpPr/>
+        <p:nvPr/>
+      </p:nvGrpSpPr>
+      <p:grpSpPr>
+        <a:xfrm>
+          <a:off x="0" y="0"/>
+          <a:ext cx="0" cy="0"/>
+          <a:chOff x="0" y="0"/>
+          <a:chExt cx="0" cy="0"/>
+        </a:xfrm>
+      </p:grpSpPr>
+      <p:sp>
+        <p:nvSpPr>
+          <p:cNvPr id="2" name="Espaço Reservado para Cabeçalho 1"/>
+          <p:cNvSpPr>
+            <a:spLocks noGrp="1"/>
+          </p:cNvSpPr>
+          <p:nvPr>
+            <p:ph type="hdr" sz="quarter"/>
+          </p:nvPr>
+        </p:nvSpPr>
+        <p:spPr>
+          <a:xfrm>
+            <a:off x="0" y="0"/>
+            <a:ext cx="2971800" cy="458788"/>
+          </a:xfrm>
+          <a:prstGeom prst="rect">
+            <a:avLst/>
+          </a:prstGeom>
+        </p:spPr>
+        <p:txBody>
+          <a:bodyPr vert="horz" lIns="91440" tIns="45720" rIns="91440" bIns="45720" rtlCol="0"/>
+          <a:lstStyle>
+            <a:lvl1pPr algn="l">
+              <a:defRPr sz="1200"/>
+            </a:lvl1pPr>
+          </a:lstStyle>
+          <a:p>
+            <a:endParaRPr lang="pt-BR"/>
+          </a:p>
+        </p:txBody>
+      </p:sp>
+      <p:sp>
+        <p:nvSpPr>
+          <p:cNvPr id="3" name="Espaço Reservado para Data 2"/>
+          <p:cNvSpPr>
+            <a:spLocks noGrp="1"/>
+          </p:cNvSpPr>
+          <p:nvPr>
+            <p:ph type="dt" idx="1"/>
+          </p:nvPr>
+        </p:nvSpPr>
+        <p:spPr>
+          <a:xfrm>
+            <a:off x="3884613" y="0"/>
+            <a:ext cx="2971800" cy="458788"/>
+          </a:xfrm>
+          <a:prstGeom prst="rect">
+            <a:avLst/>
+          </a:prstGeom>
+        </p:spPr>
+        <p:txBody>
+          <a:bodyPr vert="horz" lIns="91440" tIns="45720" rIns="91440" bIns="45720" rtlCol="0"/>
+          <a:lstStyle>
+            <a:lvl1pPr algn="r">
+              <a:defRPr sz="1200"/>
+            </a:lvl1pPr>
+          </a:lstStyle>
+          <a:p>
+            <a:fld id="{5981151E-57A5-451D-823B-97E9BDD18950}" type="datetimeFigureOut">
+              <a:rPr lang="pt-BR" smtClean="0"/>
+              <a:t>09/03/2017</a:t>
+            </a:fld>
+            <a:endParaRPr lang="pt-BR"/>
+          </a:p>
+        </p:txBody>
+      </p:sp>
+      <p:sp>
+        <p:nvSpPr>
+          <p:cNvPr id="4" name="Espaço Reservado para Imagem de Slide 3"/>
+          <p:cNvSpPr>
+            <a:spLocks noGrp="1" noRot="1" noChangeAspect="1"/>
+          </p:cNvSpPr>
+          <p:nvPr>
+            <p:ph type="sldImg" idx="2"/>
+          </p:nvPr>
+        </p:nvSpPr>
+        <p:spPr>
+          <a:xfrm>
+            <a:off x="685800" y="1143000"/>
+            <a:ext cx="5486400" cy="3086100"/>
+          </a:xfrm>
+          <a:prstGeom prst="rect">
+            <a:avLst/>
+          </a:prstGeom>
+          <a:noFill/>
+          <a:ln w="12700">
+            <a:solidFill>
+              <a:prstClr val="black"/>
+            </a:solidFill>
+          </a:ln>
+        </p:spPr>
+        <p:txBody>
+          <a:bodyPr vert="horz" lIns="91440" tIns="45720" rIns="91440" bIns="45720" rtlCol="0" anchor="ctr"/>
+          <a:lstStyle/>
+          <a:p>
+            <a:endParaRPr lang="pt-BR"/>
+          </a:p>
+        </p:txBody>
+      </p:sp>
+      <p:sp>
+        <p:nvSpPr>
+          <p:cNvPr id="5" name="Espaço Reservado para Anotações 4"/>
+          <p:cNvSpPr>
+            <a:spLocks noGrp="1"/>
+          </p:cNvSpPr>
+          <p:nvPr>
+            <p:ph type="body" sz="quarter" idx="3"/>
+          </p:nvPr>
+        </p:nvSpPr>
+        <p:spPr>
+          <a:xfrm>
+            <a:off x="685800" y="4400550"/>
+            <a:ext cx="5486400" cy="3600450"/>
+          </a:xfrm>
+          <a:prstGeom prst="rect">
+            <a:avLst/>
+          </a:prstGeom>
+        </p:spPr>
+        <p:txBody>
+          <a:bodyPr vert="horz" lIns="91440" tIns="45720" rIns="91440" bIns="45720" rtlCol="0"/>
+          <a:lstStyle/>
+          <a:p>
+            <a:pPr lvl="0"/>
+            <a:r>
+              <a:rPr lang="pt-BR" smtClean="0"/>
+              <a:t>Clique para editar o texto mestre</a:t>
+            </a:r>
+          </a:p>
+          <a:p>
+            <a:pPr lvl="1"/>
+            <a:r>
+              <a:rPr lang="pt-BR" smtClean="0"/>
+              <a:t>Segundo nível</a:t>
+            </a:r>
+          </a:p>
+          <a:p>
+            <a:pPr lvl="2"/>
+            <a:r>
+              <a:rPr lang="pt-BR" smtClean="0"/>
+              <a:t>Terceiro nível</a:t>
+            </a:r>
+          </a:p>
+          <a:p>
+            <a:pPr lvl="3"/>
+            <a:r>
+              <a:rPr lang="pt-BR" smtClean="0"/>
+              <a:t>Quarto nível</a:t>
+            </a:r>
+          </a:p>
+          <a:p>
+            <a:pPr lvl="4"/>
+            <a:r>
+              <a:rPr lang="pt-BR" smtClean="0"/>
+              <a:t>Quinto nível</a:t>
+            </a:r>
+            <a:endParaRPr lang="pt-BR"/>
+          </a:p>
+        </p:txBody>
+      </p:sp>
+      <p:sp>
+        <p:nvSpPr>
+          <p:cNvPr id="6" name="Espaço Reservado para Rodapé 5"/>
+          <p:cNvSpPr>
+            <a:spLocks noGrp="1"/>
+          </p:cNvSpPr>
+          <p:nvPr>
+            <p:ph type="ftr" sz="quarter" idx="4"/>
+          </p:nvPr>
+        </p:nvSpPr>
+        <p:spPr>
+          <a:xfrm>
+            <a:off x="0" y="8685213"/>
+            <a:ext cx="2971800" cy="458787"/>
+          </a:xfrm>
+          <a:prstGeom prst="rect">
+            <a:avLst/>
+          </a:prstGeom>
+        </p:spPr>
+        <p:txBody>
+          <a:bodyPr vert="horz" lIns="91440" tIns="45720" rIns="91440" bIns="45720" rtlCol="0" anchor="b"/>
+          <a:lstStyle>
+            <a:lvl1pPr algn="l">
+              <a:defRPr sz="1200"/>
+            </a:lvl1pPr>
+          </a:lstStyle>
+          <a:p>
+            <a:endParaRPr lang="pt-BR"/>
+          </a:p>
+        </p:txBody>
+      </p:sp>
+      <p:sp>
+        <p:nvSpPr>
+          <p:cNvPr id="7" name="Espaço Reservado para Número de Slide 6"/>
+          <p:cNvSpPr>
+            <a:spLocks noGrp="1"/>
+          </p:cNvSpPr>
+          <p:nvPr>
+            <p:ph type="sldNum" sz="quarter" idx="5"/>
+          </p:nvPr>
+        </p:nvSpPr>
+        <p:spPr>
+          <a:xfrm>
+            <a:off x="3884613" y="8685213"/>
+            <a:ext cx="2971800" cy="458787"/>
+          </a:xfrm>
+          <a:prstGeom prst="rect">
+            <a:avLst/>
+          </a:prstGeom>
+        </p:spPr>
+        <p:txBody>
+          <a:bodyPr vert="horz" lIns="91440" tIns="45720" rIns="91440" bIns="45720" rtlCol="0" anchor="b"/>
+          <a:lstStyle>
+            <a:lvl1pPr algn="r">
+              <a:defRPr sz="1200"/>
+            </a:lvl1pPr>
+          </a:lstStyle>
+          <a:p>
+            <a:fld id="{840D6A4B-627C-44B5-8903-96A3B027F802}" type="slidenum">
+              <a:rPr lang="pt-BR" smtClean="0"/>
+              <a:t>‹nº›</a:t>
+            </a:fld>
+            <a:endParaRPr lang="pt-BR"/>
+          </a:p>
+        </p:txBody>
+      </p:sp>
+    </p:spTree>
+    <p:extLst>
+      <p:ext uri="{BB962C8B-B14F-4D97-AF65-F5344CB8AC3E}">
+        <p14:creationId xmlns:p14="http://schemas.microsoft.com/office/powerpoint/2010/main" val="3282268851"/>
+      </p:ext>
+    </p:extLst>
+  </p:cSld>
+  <p:clrMap bg1="lt1" tx1="dk1" bg2="lt2" tx2="dk2" accent1="accent1" accent2="accent2" accent3="accent3" accent4="accent4" accent5="accent5" accent6="accent6" hlink="hlink" folHlink="folHlink"/>
+  <p:notesStyle>
+    <a:lvl1pPr marL="0" algn="l" defTabSz="914400" rtl="0" eaLnBrk="1" latinLnBrk="0" hangingPunct="1">
+      <a:defRPr sz="1200" kern="1200">
+        <a:solidFill>
+          <a:schemeClr val="tx1"/>
+        </a:solidFill>
+        <a:latin typeface="+mn-lt"/>
+        <a:ea typeface="+mn-ea"/>
+        <a:cs typeface="+mn-cs"/>
+      </a:defRPr>
+    </a:lvl1pPr>
+    <a:lvl2pPr marL="457200" algn="l" defTabSz="914400" rtl="0" eaLnBrk="1" latinLnBrk="0" hangingPunct="1">
+      <a:defRPr sz="1200" kern="1200">
+        <a:solidFill>
+          <a:schemeClr val="tx1"/>
+        </a:solidFill>
+        <a:latin typeface="+mn-lt"/>
+        <a:ea typeface="+mn-ea"/>
+        <a:cs typeface="+mn-cs"/>
+      </a:defRPr>
+    </a:lvl2pPr>
+    <a:lvl3pPr marL="914400" algn="l" defTabSz="914400" rtl="0" eaLnBrk="1" latinLnBrk="0" hangingPunct="1">
+      <a:defRPr sz="1200" kern="1200">
+        <a:solidFill>
+          <a:schemeClr val="tx1"/>
+        </a:solidFill>
+        <a:latin typeface="+mn-lt"/>
+        <a:ea typeface="+mn-ea"/>
+        <a:cs typeface="+mn-cs"/>
+      </a:defRPr>
+    </a:lvl3pPr>
+    <a:lvl4pPr marL="1371600" algn="l" defTabSz="914400" rtl="0" eaLnBrk="1" latinLnBrk="0" hangingPunct="1">
+      <a:defRPr sz="1200" kern="1200">
+        <a:solidFill>
+          <a:schemeClr val="tx1"/>
+        </a:solidFill>
+        <a:latin typeface="+mn-lt"/>
+        <a:ea typeface="+mn-ea"/>
+        <a:cs typeface="+mn-cs"/>
+      </a:defRPr>
+    </a:lvl4pPr>
+    <a:lvl5pPr marL="1828800" algn="l" defTabSz="914400" rtl="0" eaLnBrk="1" latinLnBrk="0" hangingPunct="1">
+      <a:defRPr sz="1200" kern="1200">
+        <a:solidFill>
+          <a:schemeClr val="tx1"/>
+        </a:solidFill>
+        <a:latin typeface="+mn-lt"/>
+        <a:ea typeface="+mn-ea"/>
+        <a:cs typeface="+mn-cs"/>
+      </a:defRPr>
+    </a:lvl5pPr>
+    <a:lvl6pPr marL="2286000" algn="l" defTabSz="914400" rtl="0" eaLnBrk="1" latinLnBrk="0" hangingPunct="1">
+      <a:defRPr sz="1200" kern="1200">
+        <a:solidFill>
+          <a:schemeClr val="tx1"/>
+        </a:solidFill>
+        <a:latin typeface="+mn-lt"/>
+        <a:ea typeface="+mn-ea"/>
+        <a:cs typeface="+mn-cs"/>
+      </a:defRPr>
+    </a:lvl6pPr>
+    <a:lvl7pPr marL="2743200" algn="l" defTabSz="914400" rtl="0" eaLnBrk="1" latinLnBrk="0" hangingPunct="1">
+      <a:defRPr sz="1200" kern="1200">
+        <a:solidFill>
+          <a:schemeClr val="tx1"/>
+        </a:solidFill>
+        <a:latin typeface="+mn-lt"/>
+        <a:ea typeface="+mn-ea"/>
+        <a:cs typeface="+mn-cs"/>
+      </a:defRPr>
+    </a:lvl7pPr>
+    <a:lvl8pPr marL="3200400" algn="l" defTabSz="914400" rtl="0" eaLnBrk="1" latinLnBrk="0" hangingPunct="1">
+      <a:defRPr sz="1200" kern="1200">
+        <a:solidFill>
+          <a:schemeClr val="tx1"/>
+        </a:solidFill>
+        <a:latin typeface="+mn-lt"/>
+        <a:ea typeface="+mn-ea"/>
+        <a:cs typeface="+mn-cs"/>
+      </a:defRPr>
+    </a:lvl8pPr>
+    <a:lvl9pPr marL="3657600" algn="l" defTabSz="914400" rtl="0" eaLnBrk="1" latinLnBrk="0" hangingPunct="1">
+      <a:defRPr sz="1200" kern="1200">
+        <a:solidFill>
+          <a:schemeClr val="tx1"/>
+        </a:solidFill>
+        <a:latin typeface="+mn-lt"/>
+        <a:ea typeface="+mn-ea"/>
+        <a:cs typeface="+mn-cs"/>
+      </a:defRPr>
+    </a:lvl9pPr>
+  </p:notesStyle>
+</p:notesMaster>
+</file>
+
+<file path=ppt/notesSlides/notesSlide1.xml><?xml version="1.0" encoding="utf-8"?>
+<p:notes xmlns:a="http://schemas.openxmlformats.org/drawingml/2006/main" xmlns:r="http://schemas.openxmlformats.org/officeDocument/2006/relationships" xmlns:p="http://schemas.openxmlformats.org/presentationml/2006/main">
+  <p:cSld>
+    <p:spTree>
+      <p:nvGrpSpPr>
+        <p:cNvPr id="1" name=""/>
+        <p:cNvGrpSpPr/>
+        <p:nvPr/>
+      </p:nvGrpSpPr>
+      <p:grpSpPr>
+        <a:xfrm>
+          <a:off x="0" y="0"/>
+          <a:ext cx="0" cy="0"/>
+          <a:chOff x="0" y="0"/>
+          <a:chExt cx="0" cy="0"/>
+        </a:xfrm>
+      </p:grpSpPr>
+      <p:sp>
+        <p:nvSpPr>
+          <p:cNvPr id="2" name="Espaço Reservado para Imagem de Slide 1"/>
+          <p:cNvSpPr>
+            <a:spLocks noGrp="1" noRot="1" noChangeAspect="1"/>
+          </p:cNvSpPr>
+          <p:nvPr>
+            <p:ph type="sldImg"/>
+          </p:nvPr>
+        </p:nvSpPr>
+        <p:spPr/>
+      </p:sp>
+      <p:sp>
+        <p:nvSpPr>
+          <p:cNvPr id="3" name="Espaço Reservado para Anotações 2"/>
+          <p:cNvSpPr>
+            <a:spLocks noGrp="1"/>
+          </p:cNvSpPr>
+          <p:nvPr>
+            <p:ph type="body" idx="1"/>
+          </p:nvPr>
+        </p:nvSpPr>
+        <p:spPr/>
+        <p:txBody>
+          <a:bodyPr/>
+          <a:lstStyle/>
+          <a:p>
+            <a:endParaRPr lang="pt-BR"/>
+          </a:p>
+        </p:txBody>
+      </p:sp>
+      <p:sp>
+        <p:nvSpPr>
+          <p:cNvPr id="4" name="Espaço Reservado para Número de Slide 3"/>
+          <p:cNvSpPr>
+            <a:spLocks noGrp="1"/>
+          </p:cNvSpPr>
+          <p:nvPr>
+            <p:ph type="sldNum" sz="quarter" idx="10"/>
+          </p:nvPr>
+        </p:nvSpPr>
+        <p:spPr/>
+        <p:txBody>
+          <a:bodyPr/>
+          <a:lstStyle/>
+          <a:p>
+            <a:fld id="{840D6A4B-627C-44B5-8903-96A3B027F802}" type="slidenum">
+              <a:rPr lang="pt-BR" smtClean="0"/>
+              <a:t>1</a:t>
+            </a:fld>
+            <a:endParaRPr lang="pt-BR"/>
+          </a:p>
+        </p:txBody>
+      </p:sp>
+    </p:spTree>
+    <p:extLst>
+      <p:ext uri="{BB962C8B-B14F-4D97-AF65-F5344CB8AC3E}">
+        <p14:creationId xmlns:p14="http://schemas.microsoft.com/office/powerpoint/2010/main" val="3958919968"/>
+      </p:ext>
+    </p:extLst>
+  </p:cSld>
+  <p:clrMapOvr>
+    <a:masterClrMapping/>
+  </p:clrMapOvr>
+</p:notes>
+</file>
+
 <file path=ppt/slideLayouts/slideLayout1.xml><?xml version="1.0" encoding="utf-8"?>
 <p:sldLayout xmlns:a="http://schemas.openxmlformats.org/drawingml/2006/main" xmlns:r="http://schemas.openxmlformats.org/officeDocument/2006/relationships" xmlns:p="http://schemas.openxmlformats.org/presentationml/2006/main" showMasterSp="0" type="title" preserve="1">
   <p:cSld name="Slide de título">
@@ -527,7 +965,7 @@
           <a:p>
             <a:fld id="{6FE4468B-BFE5-40EA-B168-7946B3DB28BD}" type="datetimeFigureOut">
               <a:rPr lang="pt-BR" smtClean="0"/>
-              <a:t>07/03/2017</a:t>
+              <a:t>09/03/2017</a:t>
             </a:fld>
             <a:endParaRPr lang="pt-BR"/>
           </a:p>
@@ -706,7 +1144,7 @@
           <a:p>
             <a:fld id="{6FE4468B-BFE5-40EA-B168-7946B3DB28BD}" type="datetimeFigureOut">
               <a:rPr lang="pt-BR" smtClean="0"/>
-              <a:t>07/03/2017</a:t>
+              <a:t>09/03/2017</a:t>
             </a:fld>
             <a:endParaRPr lang="pt-BR"/>
           </a:p>
@@ -886,7 +1324,7 @@
           <a:p>
             <a:fld id="{6FE4468B-BFE5-40EA-B168-7946B3DB28BD}" type="datetimeFigureOut">
               <a:rPr lang="pt-BR" smtClean="0"/>
-              <a:t>07/03/2017</a:t>
+              <a:t>09/03/2017</a:t>
             </a:fld>
             <a:endParaRPr lang="pt-BR"/>
           </a:p>
@@ -1056,7 +1494,7 @@
           <a:p>
             <a:fld id="{6FE4468B-BFE5-40EA-B168-7946B3DB28BD}" type="datetimeFigureOut">
               <a:rPr lang="pt-BR" smtClean="0"/>
-              <a:t>07/03/2017</a:t>
+              <a:t>09/03/2017</a:t>
             </a:fld>
             <a:endParaRPr lang="pt-BR"/>
           </a:p>
@@ -1369,7 +1807,7 @@
           <a:p>
             <a:fld id="{6FE4468B-BFE5-40EA-B168-7946B3DB28BD}" type="datetimeFigureOut">
               <a:rPr lang="pt-BR" smtClean="0"/>
-              <a:t>07/03/2017</a:t>
+              <a:t>09/03/2017</a:t>
             </a:fld>
             <a:endParaRPr lang="pt-BR"/>
           </a:p>
@@ -1755,7 +2193,7 @@
           <a:p>
             <a:fld id="{6FE4468B-BFE5-40EA-B168-7946B3DB28BD}" type="datetimeFigureOut">
               <a:rPr lang="pt-BR" smtClean="0"/>
-              <a:t>07/03/2017</a:t>
+              <a:t>09/03/2017</a:t>
             </a:fld>
             <a:endParaRPr lang="pt-BR"/>
           </a:p>
@@ -2189,7 +2627,7 @@
           <a:p>
             <a:fld id="{6FE4468B-BFE5-40EA-B168-7946B3DB28BD}" type="datetimeFigureOut">
               <a:rPr lang="pt-BR" smtClean="0"/>
-              <a:t>07/03/2017</a:t>
+              <a:t>09/03/2017</a:t>
             </a:fld>
             <a:endParaRPr lang="pt-BR"/>
           </a:p>
@@ -2307,7 +2745,7 @@
           <a:p>
             <a:fld id="{6FE4468B-BFE5-40EA-B168-7946B3DB28BD}" type="datetimeFigureOut">
               <a:rPr lang="pt-BR" smtClean="0"/>
-              <a:t>07/03/2017</a:t>
+              <a:t>09/03/2017</a:t>
             </a:fld>
             <a:endParaRPr lang="pt-BR"/>
           </a:p>
@@ -2402,7 +2840,7 @@
           <a:p>
             <a:fld id="{6FE4468B-BFE5-40EA-B168-7946B3DB28BD}" type="datetimeFigureOut">
               <a:rPr lang="pt-BR" smtClean="0"/>
-              <a:t>07/03/2017</a:t>
+              <a:t>09/03/2017</a:t>
             </a:fld>
             <a:endParaRPr lang="pt-BR"/>
           </a:p>
@@ -2752,7 +3190,7 @@
           <a:p>
             <a:fld id="{6FE4468B-BFE5-40EA-B168-7946B3DB28BD}" type="datetimeFigureOut">
               <a:rPr lang="pt-BR" smtClean="0"/>
-              <a:t>07/03/2017</a:t>
+              <a:t>09/03/2017</a:t>
             </a:fld>
             <a:endParaRPr lang="pt-BR"/>
           </a:p>
@@ -3177,7 +3615,7 @@
           <a:p>
             <a:fld id="{6FE4468B-BFE5-40EA-B168-7946B3DB28BD}" type="datetimeFigureOut">
               <a:rPr lang="pt-BR" smtClean="0"/>
-              <a:t>07/03/2017</a:t>
+              <a:t>09/03/2017</a:t>
             </a:fld>
             <a:endParaRPr lang="pt-BR"/>
           </a:p>
@@ -3458,7 +3896,7 @@
           <a:p>
             <a:fld id="{6FE4468B-BFE5-40EA-B168-7946B3DB28BD}" type="datetimeFigureOut">
               <a:rPr lang="pt-BR" smtClean="0"/>
-              <a:t>07/03/2017</a:t>
+              <a:t>09/03/2017</a:t>
             </a:fld>
             <a:endParaRPr lang="pt-BR"/>
           </a:p>
@@ -4069,10 +4507,57 @@
         </p:nvSpPr>
         <p:spPr/>
         <p:txBody>
-          <a:bodyPr/>
-          <a:lstStyle/>
-          <a:p>
-            <a:endParaRPr lang="pt-BR"/>
+          <a:bodyPr>
+            <a:normAutofit/>
+          </a:bodyPr>
+          <a:lstStyle/>
+          <a:p>
+            <a:endParaRPr lang="pt-BR" dirty="0"/>
+          </a:p>
+        </p:txBody>
+      </p:sp>
+      <p:sp>
+        <p:nvSpPr>
+          <p:cNvPr id="4" name="Espaço Reservado para Rodapé 3"/>
+          <p:cNvSpPr>
+            <a:spLocks noGrp="1"/>
+          </p:cNvSpPr>
+          <p:nvPr>
+            <p:ph type="ftr" sz="quarter" idx="11"/>
+          </p:nvPr>
+        </p:nvSpPr>
+        <p:spPr>
+          <a:xfrm>
+            <a:off x="4690872" y="6068068"/>
+            <a:ext cx="6327648" cy="365125"/>
+          </a:xfrm>
+        </p:spPr>
+        <p:txBody>
+          <a:bodyPr/>
+          <a:lstStyle/>
+          <a:p>
+            <a:pPr algn="r"/>
+            <a:r>
+              <a:rPr lang="pt-BR" sz="1800" dirty="0"/>
+              <a:t>Bruno Ferreira</a:t>
+            </a:r>
+          </a:p>
+          <a:p>
+            <a:pPr algn="r"/>
+            <a:r>
+              <a:rPr lang="pt-BR" sz="1800" dirty="0"/>
+              <a:t>Jefferson Andrade</a:t>
+            </a:r>
+          </a:p>
+          <a:p>
+            <a:pPr algn="r"/>
+            <a:r>
+              <a:rPr lang="pt-BR" sz="1800" dirty="0"/>
+              <a:t>Juliano Braz</a:t>
+            </a:r>
+          </a:p>
+          <a:p>
+            <a:endParaRPr lang="pt-BR" dirty="0"/>
           </a:p>
         </p:txBody>
       </p:sp>
@@ -4086,6 +4571,13 @@
   <p:clrMapOvr>
     <a:masterClrMapping/>
   </p:clrMapOvr>
+  <p:timing>
+    <p:tnLst>
+      <p:par>
+        <p:cTn id="1" dur="indefinite" restart="never" nodeType="tmRoot"/>
+      </p:par>
+    </p:tnLst>
+  </p:timing>
 </p:sld>
 </file>
 
@@ -4158,6 +4650,13 @@
   <p:clrMapOvr>
     <a:masterClrMapping/>
   </p:clrMapOvr>
+  <p:timing>
+    <p:tnLst>
+      <p:par>
+        <p:cTn id="1" dur="indefinite" restart="never" nodeType="tmRoot"/>
+      </p:par>
+    </p:tnLst>
+  </p:timing>
 </p:sld>
 </file>
 
@@ -4201,25 +4700,36 @@
           </a:p>
         </p:txBody>
       </p:sp>
-      <p:sp>
-        <p:nvSpPr>
-          <p:cNvPr id="7" name="Espaço Reservado para Conteúdo 6"/>
-          <p:cNvSpPr>
-            <a:spLocks noGrp="1"/>
-          </p:cNvSpPr>
-          <p:nvPr>
-            <p:ph idx="1"/>
-          </p:nvPr>
-        </p:nvSpPr>
-        <p:spPr/>
-        <p:txBody>
-          <a:bodyPr/>
-          <a:lstStyle/>
-          <a:p>
-            <a:endParaRPr lang="pt-BR" dirty="0"/>
-          </a:p>
-        </p:txBody>
-      </p:sp>
+      <p:pic>
+        <p:nvPicPr>
+          <p:cNvPr id="6" name="Imagem 5"/>
+          <p:cNvPicPr>
+            <a:picLocks noChangeAspect="1"/>
+          </p:cNvPicPr>
+          <p:nvPr/>
+        </p:nvPicPr>
+        <p:blipFill>
+          <a:blip r:embed="rId2">
+            <a:extLst>
+              <a:ext uri="{28A0092B-C50C-407E-A947-70E740481C1C}">
+                <a14:useLocalDpi xmlns:a14="http://schemas.microsoft.com/office/drawing/2010/main" val="0"/>
+              </a:ext>
+            </a:extLst>
+          </a:blip>
+          <a:stretch>
+            <a:fillRect/>
+          </a:stretch>
+        </p:blipFill>
+        <p:spPr>
+          <a:xfrm>
+            <a:off x="1134095" y="509952"/>
+            <a:ext cx="9923809" cy="5838095"/>
+          </a:xfrm>
+          <a:prstGeom prst="rect">
+            <a:avLst/>
+          </a:prstGeom>
+        </p:spPr>
+      </p:pic>
     </p:spTree>
     <p:extLst>
       <p:ext uri="{BB962C8B-B14F-4D97-AF65-F5344CB8AC3E}">
@@ -4230,6 +4740,13 @@
   <p:clrMapOvr>
     <a:masterClrMapping/>
   </p:clrMapOvr>
+  <p:timing>
+    <p:tnLst>
+      <p:par>
+        <p:cTn id="1" dur="indefinite" restart="never" nodeType="tmRoot"/>
+      </p:par>
+    </p:tnLst>
+  </p:timing>
 </p:sld>
 </file>
 
@@ -4317,6 +4834,13 @@
   <p:clrMapOvr>
     <a:masterClrMapping/>
   </p:clrMapOvr>
+  <p:timing>
+    <p:tnLst>
+      <p:par>
+        <p:cTn id="1" dur="indefinite" restart="never" nodeType="tmRoot"/>
+      </p:par>
+    </p:tnLst>
+  </p:timing>
 </p:sld>
 </file>
 
@@ -4389,6 +4913,124 @@
   <p:clrMapOvr>
     <a:masterClrMapping/>
   </p:clrMapOvr>
+  <p:timing>
+    <p:tnLst>
+      <p:par>
+        <p:cTn id="1" dur="indefinite" restart="never" nodeType="tmRoot"/>
+      </p:par>
+    </p:tnLst>
+  </p:timing>
+</p:sld>
+</file>
+
+<file path=ppt/slides/slide14.xml><?xml version="1.0" encoding="utf-8"?>
+<p:sld xmlns:a="http://schemas.openxmlformats.org/drawingml/2006/main" xmlns:r="http://schemas.openxmlformats.org/officeDocument/2006/relationships" xmlns:p="http://schemas.openxmlformats.org/presentationml/2006/main">
+  <p:cSld>
+    <p:spTree>
+      <p:nvGrpSpPr>
+        <p:cNvPr id="1" name=""/>
+        <p:cNvGrpSpPr/>
+        <p:nvPr/>
+      </p:nvGrpSpPr>
+      <p:grpSpPr>
+        <a:xfrm>
+          <a:off x="0" y="0"/>
+          <a:ext cx="0" cy="0"/>
+          <a:chOff x="0" y="0"/>
+          <a:chExt cx="0" cy="0"/>
+        </a:xfrm>
+      </p:grpSpPr>
+      <p:sp>
+        <p:nvSpPr>
+          <p:cNvPr id="2" name="Título 1"/>
+          <p:cNvSpPr>
+            <a:spLocks noGrp="1"/>
+          </p:cNvSpPr>
+          <p:nvPr>
+            <p:ph type="title"/>
+          </p:nvPr>
+        </p:nvSpPr>
+        <p:spPr>
+          <a:xfrm>
+            <a:off x="1097143" y="2490853"/>
+            <a:ext cx="10058400" cy="1609344"/>
+          </a:xfrm>
+        </p:spPr>
+        <p:txBody>
+          <a:bodyPr/>
+          <a:lstStyle/>
+          <a:p>
+            <a:pPr algn="ctr"/>
+            <a:r>
+              <a:rPr lang="pt-BR" dirty="0" smtClean="0"/>
+              <a:t>OBRIGADO</a:t>
+            </a:r>
+            <a:endParaRPr lang="pt-BR" dirty="0"/>
+          </a:p>
+        </p:txBody>
+      </p:sp>
+      <p:sp>
+        <p:nvSpPr>
+          <p:cNvPr id="5" name="Espaço Reservado para Rodapé 3"/>
+          <p:cNvSpPr>
+            <a:spLocks noGrp="1"/>
+          </p:cNvSpPr>
+          <p:nvPr>
+            <p:ph type="ftr" sz="quarter" idx="11"/>
+          </p:nvPr>
+        </p:nvSpPr>
+        <p:spPr>
+          <a:xfrm>
+            <a:off x="4704520" y="6272784"/>
+            <a:ext cx="6327648" cy="365125"/>
+          </a:xfrm>
+        </p:spPr>
+        <p:txBody>
+          <a:bodyPr/>
+          <a:lstStyle/>
+          <a:p>
+            <a:pPr algn="r"/>
+            <a:r>
+              <a:rPr lang="pt-BR" sz="1800" dirty="0" err="1" smtClean="0"/>
+              <a:t>That´s</a:t>
+            </a:r>
+            <a:r>
+              <a:rPr lang="pt-BR" sz="1800" dirty="0" smtClean="0"/>
+              <a:t> </a:t>
+            </a:r>
+            <a:r>
+              <a:rPr lang="pt-BR" sz="1800" dirty="0" err="1" smtClean="0"/>
+              <a:t>all</a:t>
+            </a:r>
+            <a:r>
+              <a:rPr lang="pt-BR" sz="1800" dirty="0" smtClean="0"/>
+              <a:t> </a:t>
+            </a:r>
+            <a:r>
+              <a:rPr lang="pt-BR" sz="1800" dirty="0" err="1" smtClean="0"/>
+              <a:t>folks</a:t>
+            </a:r>
+            <a:endParaRPr lang="pt-BR" sz="1800" dirty="0"/>
+          </a:p>
+        </p:txBody>
+      </p:sp>
+    </p:spTree>
+    <p:extLst>
+      <p:ext uri="{BB962C8B-B14F-4D97-AF65-F5344CB8AC3E}">
+        <p14:creationId xmlns:p14="http://schemas.microsoft.com/office/powerpoint/2010/main" val="223921043"/>
+      </p:ext>
+    </p:extLst>
+  </p:cSld>
+  <p:clrMapOvr>
+    <a:masterClrMapping/>
+  </p:clrMapOvr>
+  <p:timing>
+    <p:tnLst>
+      <p:par>
+        <p:cTn id="1" dur="indefinite" restart="never" nodeType="tmRoot"/>
+      </p:par>
+    </p:tnLst>
+  </p:timing>
 </p:sld>
 </file>
 
@@ -4465,6 +5107,13 @@
   <p:clrMapOvr>
     <a:masterClrMapping/>
   </p:clrMapOvr>
+  <p:timing>
+    <p:tnLst>
+      <p:par>
+        <p:cTn id="1" dur="indefinite" restart="never" nodeType="tmRoot"/>
+      </p:par>
+    </p:tnLst>
+  </p:timing>
 </p:sld>
 </file>
 
@@ -4553,6 +5202,13 @@
   <p:clrMapOvr>
     <a:masterClrMapping/>
   </p:clrMapOvr>
+  <p:timing>
+    <p:tnLst>
+      <p:par>
+        <p:cTn id="1" dur="indefinite" restart="never" nodeType="tmRoot"/>
+      </p:par>
+    </p:tnLst>
+  </p:timing>
 </p:sld>
 </file>
 
@@ -4625,6 +5281,13 @@
   <p:clrMapOvr>
     <a:masterClrMapping/>
   </p:clrMapOvr>
+  <p:timing>
+    <p:tnLst>
+      <p:par>
+        <p:cTn id="1" dur="indefinite" restart="never" nodeType="tmRoot"/>
+      </p:par>
+    </p:tnLst>
+  </p:timing>
 </p:sld>
 </file>
 
@@ -4645,48 +5308,36 @@
           <a:chExt cx="0" cy="0"/>
         </a:xfrm>
       </p:grpSpPr>
-      <p:sp>
-        <p:nvSpPr>
-          <p:cNvPr id="4" name="Título 3"/>
-          <p:cNvSpPr>
-            <a:spLocks noGrp="1"/>
-          </p:cNvSpPr>
-          <p:nvPr>
-            <p:ph type="title"/>
-          </p:nvPr>
-        </p:nvSpPr>
-        <p:spPr/>
-        <p:txBody>
-          <a:bodyPr/>
-          <a:lstStyle/>
-          <a:p>
-            <a:r>
-              <a:rPr lang="pt-BR" dirty="0" smtClean="0"/>
-              <a:t>Diagrama</a:t>
-            </a:r>
-            <a:endParaRPr lang="pt-BR" dirty="0"/>
-          </a:p>
-        </p:txBody>
-      </p:sp>
-      <p:sp>
-        <p:nvSpPr>
-          <p:cNvPr id="7" name="Espaço Reservado para Conteúdo 6"/>
-          <p:cNvSpPr>
-            <a:spLocks noGrp="1"/>
-          </p:cNvSpPr>
-          <p:nvPr>
-            <p:ph idx="1"/>
-          </p:nvPr>
-        </p:nvSpPr>
-        <p:spPr/>
-        <p:txBody>
-          <a:bodyPr/>
-          <a:lstStyle/>
-          <a:p>
-            <a:endParaRPr lang="pt-BR" dirty="0"/>
-          </a:p>
-        </p:txBody>
-      </p:sp>
+      <p:pic>
+        <p:nvPicPr>
+          <p:cNvPr id="3" name="Imagem 2"/>
+          <p:cNvPicPr>
+            <a:picLocks noChangeAspect="1"/>
+          </p:cNvPicPr>
+          <p:nvPr/>
+        </p:nvPicPr>
+        <p:blipFill>
+          <a:blip r:embed="rId2">
+            <a:extLst>
+              <a:ext uri="{28A0092B-C50C-407E-A947-70E740481C1C}">
+                <a14:useLocalDpi xmlns:a14="http://schemas.microsoft.com/office/drawing/2010/main" val="0"/>
+              </a:ext>
+            </a:extLst>
+          </a:blip>
+          <a:stretch>
+            <a:fillRect/>
+          </a:stretch>
+        </p:blipFill>
+        <p:spPr>
+          <a:xfrm>
+            <a:off x="1399205" y="0"/>
+            <a:ext cx="9393589" cy="6858000"/>
+          </a:xfrm>
+          <a:prstGeom prst="rect">
+            <a:avLst/>
+          </a:prstGeom>
+        </p:spPr>
+      </p:pic>
     </p:spTree>
     <p:extLst>
       <p:ext uri="{BB962C8B-B14F-4D97-AF65-F5344CB8AC3E}">
@@ -4697,6 +5348,13 @@
   <p:clrMapOvr>
     <a:masterClrMapping/>
   </p:clrMapOvr>
+  <p:timing>
+    <p:tnLst>
+      <p:par>
+        <p:cTn id="1" dur="indefinite" restart="never" nodeType="tmRoot"/>
+      </p:par>
+    </p:tnLst>
+  </p:timing>
 </p:sld>
 </file>
 
@@ -4802,6 +5460,13 @@
   <p:clrMapOvr>
     <a:masterClrMapping/>
   </p:clrMapOvr>
+  <p:timing>
+    <p:tnLst>
+      <p:par>
+        <p:cTn id="1" dur="indefinite" restart="never" nodeType="tmRoot"/>
+      </p:par>
+    </p:tnLst>
+  </p:timing>
 </p:sld>
 </file>
 
@@ -4874,6 +5539,13 @@
   <p:clrMapOvr>
     <a:masterClrMapping/>
   </p:clrMapOvr>
+  <p:timing>
+    <p:tnLst>
+      <p:par>
+        <p:cTn id="1" dur="indefinite" restart="never" nodeType="tmRoot"/>
+      </p:par>
+    </p:tnLst>
+  </p:timing>
 </p:sld>
 </file>
 
@@ -4894,48 +5566,36 @@
           <a:chExt cx="0" cy="0"/>
         </a:xfrm>
       </p:grpSpPr>
-      <p:sp>
-        <p:nvSpPr>
-          <p:cNvPr id="2" name="Título 1"/>
-          <p:cNvSpPr>
-            <a:spLocks noGrp="1"/>
-          </p:cNvSpPr>
-          <p:nvPr>
-            <p:ph type="title"/>
-          </p:nvPr>
-        </p:nvSpPr>
-        <p:spPr/>
-        <p:txBody>
-          <a:bodyPr/>
-          <a:lstStyle/>
-          <a:p>
-            <a:r>
-              <a:rPr lang="pt-BR" dirty="0" smtClean="0"/>
-              <a:t>Diagrama</a:t>
-            </a:r>
-            <a:endParaRPr lang="pt-BR" dirty="0"/>
-          </a:p>
-        </p:txBody>
-      </p:sp>
-      <p:sp>
-        <p:nvSpPr>
-          <p:cNvPr id="3" name="Espaço Reservado para Conteúdo 2"/>
-          <p:cNvSpPr>
-            <a:spLocks noGrp="1"/>
-          </p:cNvSpPr>
-          <p:nvPr>
-            <p:ph idx="1"/>
-          </p:nvPr>
-        </p:nvSpPr>
-        <p:spPr/>
-        <p:txBody>
-          <a:bodyPr/>
-          <a:lstStyle/>
-          <a:p>
-            <a:endParaRPr lang="pt-BR"/>
-          </a:p>
-        </p:txBody>
-      </p:sp>
+      <p:pic>
+        <p:nvPicPr>
+          <p:cNvPr id="6" name="Imagem 5"/>
+          <p:cNvPicPr>
+            <a:picLocks noChangeAspect="1"/>
+          </p:cNvPicPr>
+          <p:nvPr/>
+        </p:nvPicPr>
+        <p:blipFill>
+          <a:blip r:embed="rId2">
+            <a:extLst>
+              <a:ext uri="{28A0092B-C50C-407E-A947-70E740481C1C}">
+                <a14:useLocalDpi xmlns:a14="http://schemas.microsoft.com/office/drawing/2010/main" val="0"/>
+              </a:ext>
+            </a:extLst>
+          </a:blip>
+          <a:stretch>
+            <a:fillRect/>
+          </a:stretch>
+        </p:blipFill>
+        <p:spPr>
+          <a:xfrm>
+            <a:off x="0" y="1031265"/>
+            <a:ext cx="12192000" cy="4795469"/>
+          </a:xfrm>
+          <a:prstGeom prst="rect">
+            <a:avLst/>
+          </a:prstGeom>
+        </p:spPr>
+      </p:pic>
     </p:spTree>
     <p:extLst>
       <p:ext uri="{BB962C8B-B14F-4D97-AF65-F5344CB8AC3E}">
@@ -4946,6 +5606,13 @@
   <p:clrMapOvr>
     <a:masterClrMapping/>
   </p:clrMapOvr>
+  <p:timing>
+    <p:tnLst>
+      <p:par>
+        <p:cTn id="1" dur="indefinite" restart="never" nodeType="tmRoot"/>
+      </p:par>
+    </p:tnLst>
+  </p:timing>
 </p:sld>
 </file>
 
@@ -5018,6 +5685,13 @@
   <p:clrMapOvr>
     <a:masterClrMapping/>
   </p:clrMapOvr>
+  <p:timing>
+    <p:tnLst>
+      <p:par>
+        <p:cTn id="1" dur="indefinite" restart="never" nodeType="tmRoot"/>
+      </p:par>
+    </p:tnLst>
+  </p:timing>
 </p:sld>
 </file>
 
@@ -5248,4 +5922,265 @@
     </a:ext>
   </a:extLst>
 </a:theme>
+</file>
+
+<file path=ppt/theme/theme2.xml><?xml version="1.0" encoding="utf-8"?>
+<a:theme xmlns:a="http://schemas.openxmlformats.org/drawingml/2006/main" name="Tema do Office">
+  <a:themeElements>
+    <a:clrScheme name="Escritório">
+      <a:dk1>
+        <a:sysClr val="windowText" lastClr="000000"/>
+      </a:dk1>
+      <a:lt1>
+        <a:sysClr val="window" lastClr="FFFFFF"/>
+      </a:lt1>
+      <a:dk2>
+        <a:srgbClr val="44546A"/>
+      </a:dk2>
+      <a:lt2>
+        <a:srgbClr val="E7E6E6"/>
+      </a:lt2>
+      <a:accent1>
+        <a:srgbClr val="5B9BD5"/>
+      </a:accent1>
+      <a:accent2>
+        <a:srgbClr val="ED7D31"/>
+      </a:accent2>
+      <a:accent3>
+        <a:srgbClr val="A5A5A5"/>
+      </a:accent3>
+      <a:accent4>
+        <a:srgbClr val="FFC000"/>
+      </a:accent4>
+      <a:accent5>
+        <a:srgbClr val="4472C4"/>
+      </a:accent5>
+      <a:accent6>
+        <a:srgbClr val="70AD47"/>
+      </a:accent6>
+      <a:hlink>
+        <a:srgbClr val="0563C1"/>
+      </a:hlink>
+      <a:folHlink>
+        <a:srgbClr val="954F72"/>
+      </a:folHlink>
+    </a:clrScheme>
+    <a:fontScheme name="Escritório">
+      <a:majorFont>
+        <a:latin typeface="Calibri Light" panose="020F0302020204030204"/>
+        <a:ea typeface=""/>
+        <a:cs typeface=""/>
+        <a:font script="Jpan" typeface="ＭＳ Ｐゴシック"/>
+        <a:font script="Hang" typeface="맑은 고딕"/>
+        <a:font script="Hans" typeface="宋体"/>
+        <a:font script="Hant" typeface="新細明體"/>
+        <a:font script="Arab" typeface="Times New Roman"/>
+        <a:font script="Hebr" typeface="Times New Roman"/>
+        <a:font script="Thai" typeface="Angsana New"/>
+        <a:font script="Ethi" typeface="Nyala"/>
+        <a:font script="Beng" typeface="Vrinda"/>
+        <a:font script="Gujr" typeface="Shruti"/>
+        <a:font script="Khmr" typeface="MoolBoran"/>
+        <a:font script="Knda" typeface="Tunga"/>
+        <a:font script="Guru" typeface="Raavi"/>
+        <a:font script="Cans" typeface="Euphemia"/>
+        <a:font script="Cher" typeface="Plantagenet Cherokee"/>
+        <a:font script="Yiii" typeface="Microsoft Yi Baiti"/>
+        <a:font script="Tibt" typeface="Microsoft Himalaya"/>
+        <a:font script="Thaa" typeface="MV Boli"/>
+        <a:font script="Deva" typeface="Mangal"/>
+        <a:font script="Telu" typeface="Gautami"/>
+        <a:font script="Taml" typeface="Latha"/>
+        <a:font script="Syrc" typeface="Estrangelo Edessa"/>
+        <a:font script="Orya" typeface="Kalinga"/>
+        <a:font script="Mlym" typeface="Kartika"/>
+        <a:font script="Laoo" typeface="DokChampa"/>
+        <a:font script="Sinh" typeface="Iskoola Pota"/>
+        <a:font script="Mong" typeface="Mongolian Baiti"/>
+        <a:font script="Viet" typeface="Times New Roman"/>
+        <a:font script="Uigh" typeface="Microsoft Uighur"/>
+        <a:font script="Geor" typeface="Sylfaen"/>
+      </a:majorFont>
+      <a:minorFont>
+        <a:latin typeface="Calibri" panose="020F0502020204030204"/>
+        <a:ea typeface=""/>
+        <a:cs typeface=""/>
+        <a:font script="Jpan" typeface="ＭＳ Ｐゴシック"/>
+        <a:font script="Hang" typeface="맑은 고딕"/>
+        <a:font script="Hans" typeface="宋体"/>
+        <a:font script="Hant" typeface="新細明體"/>
+        <a:font script="Arab" typeface="Arial"/>
+        <a:font script="Hebr" typeface="Arial"/>
+        <a:font script="Thai" typeface="Cordia New"/>
+        <a:font script="Ethi" typeface="Nyala"/>
+        <a:font script="Beng" typeface="Vrinda"/>
+        <a:font script="Gujr" typeface="Shruti"/>
+        <a:font script="Khmr" typeface="DaunPenh"/>
+        <a:font script="Knda" typeface="Tunga"/>
+        <a:font script="Guru" typeface="Raavi"/>
+        <a:font script="Cans" typeface="Euphemia"/>
+        <a:font script="Cher" typeface="Plantagenet Cherokee"/>
+        <a:font script="Yiii" typeface="Microsoft Yi Baiti"/>
+        <a:font script="Tibt" typeface="Microsoft Himalaya"/>
+        <a:font script="Thaa" typeface="MV Boli"/>
+        <a:font script="Deva" typeface="Mangal"/>
+        <a:font script="Telu" typeface="Gautami"/>
+        <a:font script="Taml" typeface="Latha"/>
+        <a:font script="Syrc" typeface="Estrangelo Edessa"/>
+        <a:font script="Orya" typeface="Kalinga"/>
+        <a:font script="Mlym" typeface="Kartika"/>
+        <a:font script="Laoo" typeface="DokChampa"/>
+        <a:font script="Sinh" typeface="Iskoola Pota"/>
+        <a:font script="Mong" typeface="Mongolian Baiti"/>
+        <a:font script="Viet" typeface="Arial"/>
+        <a:font script="Uigh" typeface="Microsoft Uighur"/>
+        <a:font script="Geor" typeface="Sylfaen"/>
+      </a:minorFont>
+    </a:fontScheme>
+    <a:fmtScheme name="Escritório">
+      <a:fillStyleLst>
+        <a:solidFill>
+          <a:schemeClr val="phClr"/>
+        </a:solidFill>
+        <a:gradFill rotWithShape="1">
+          <a:gsLst>
+            <a:gs pos="0">
+              <a:schemeClr val="phClr">
+                <a:lumMod val="110000"/>
+                <a:satMod val="105000"/>
+                <a:tint val="67000"/>
+              </a:schemeClr>
+            </a:gs>
+            <a:gs pos="50000">
+              <a:schemeClr val="phClr">
+                <a:lumMod val="105000"/>
+                <a:satMod val="103000"/>
+                <a:tint val="73000"/>
+              </a:schemeClr>
+            </a:gs>
+            <a:gs pos="100000">
+              <a:schemeClr val="phClr">
+                <a:lumMod val="105000"/>
+                <a:satMod val="109000"/>
+                <a:tint val="81000"/>
+              </a:schemeClr>
+            </a:gs>
+          </a:gsLst>
+          <a:lin ang="5400000" scaled="0"/>
+        </a:gradFill>
+        <a:gradFill rotWithShape="1">
+          <a:gsLst>
+            <a:gs pos="0">
+              <a:schemeClr val="phClr">
+                <a:satMod val="103000"/>
+                <a:lumMod val="102000"/>
+                <a:tint val="94000"/>
+              </a:schemeClr>
+            </a:gs>
+            <a:gs pos="50000">
+              <a:schemeClr val="phClr">
+                <a:satMod val="110000"/>
+                <a:lumMod val="100000"/>
+                <a:shade val="100000"/>
+              </a:schemeClr>
+            </a:gs>
+            <a:gs pos="100000">
+              <a:schemeClr val="phClr">
+                <a:lumMod val="99000"/>
+                <a:satMod val="120000"/>
+                <a:shade val="78000"/>
+              </a:schemeClr>
+            </a:gs>
+          </a:gsLst>
+          <a:lin ang="5400000" scaled="0"/>
+        </a:gradFill>
+      </a:fillStyleLst>
+      <a:lnStyleLst>
+        <a:ln w="6350" cap="flat" cmpd="sng" algn="ctr">
+          <a:solidFill>
+            <a:schemeClr val="phClr"/>
+          </a:solidFill>
+          <a:prstDash val="solid"/>
+          <a:miter lim="800000"/>
+        </a:ln>
+        <a:ln w="12700" cap="flat" cmpd="sng" algn="ctr">
+          <a:solidFill>
+            <a:schemeClr val="phClr"/>
+          </a:solidFill>
+          <a:prstDash val="solid"/>
+          <a:miter lim="800000"/>
+        </a:ln>
+        <a:ln w="19050" cap="flat" cmpd="sng" algn="ctr">
+          <a:solidFill>
+            <a:schemeClr val="phClr"/>
+          </a:solidFill>
+          <a:prstDash val="solid"/>
+          <a:miter lim="800000"/>
+        </a:ln>
+      </a:lnStyleLst>
+      <a:effectStyleLst>
+        <a:effectStyle>
+          <a:effectLst/>
+        </a:effectStyle>
+        <a:effectStyle>
+          <a:effectLst/>
+        </a:effectStyle>
+        <a:effectStyle>
+          <a:effectLst>
+            <a:outerShdw blurRad="57150" dist="19050" dir="5400000" algn="ctr" rotWithShape="0">
+              <a:srgbClr val="000000">
+                <a:alpha val="63000"/>
+              </a:srgbClr>
+            </a:outerShdw>
+          </a:effectLst>
+        </a:effectStyle>
+      </a:effectStyleLst>
+      <a:bgFillStyleLst>
+        <a:solidFill>
+          <a:schemeClr val="phClr"/>
+        </a:solidFill>
+        <a:solidFill>
+          <a:schemeClr val="phClr">
+            <a:tint val="95000"/>
+            <a:satMod val="170000"/>
+          </a:schemeClr>
+        </a:solidFill>
+        <a:gradFill rotWithShape="1">
+          <a:gsLst>
+            <a:gs pos="0">
+              <a:schemeClr val="phClr">
+                <a:tint val="93000"/>
+                <a:satMod val="150000"/>
+                <a:shade val="98000"/>
+                <a:lumMod val="102000"/>
+              </a:schemeClr>
+            </a:gs>
+            <a:gs pos="50000">
+              <a:schemeClr val="phClr">
+                <a:tint val="98000"/>
+                <a:satMod val="130000"/>
+                <a:shade val="90000"/>
+                <a:lumMod val="103000"/>
+              </a:schemeClr>
+            </a:gs>
+            <a:gs pos="100000">
+              <a:schemeClr val="phClr">
+                <a:shade val="63000"/>
+                <a:satMod val="120000"/>
+              </a:schemeClr>
+            </a:gs>
+          </a:gsLst>
+          <a:lin ang="5400000" scaled="0"/>
+        </a:gradFill>
+      </a:bgFillStyleLst>
+    </a:fmtScheme>
+  </a:themeElements>
+  <a:objectDefaults/>
+  <a:extraClrSchemeLst/>
+  <a:extLst>
+    <a:ext uri="{05A4C25C-085E-4340-85A3-A5531E510DB2}">
+      <thm15:themeFamily xmlns:thm15="http://schemas.microsoft.com/office/thememl/2012/main" name="Office Theme" id="{62F939B6-93AF-4DB8-9C6B-D6C7DFDC589F}" vid="{4A3C46E8-61CC-4603-A589-7422A47A8E4A}"/>
+    </a:ext>
+  </a:extLst>
+</a:theme>
 </file>
--- a/eStore - Documentação/_Apresentação.pptx
+++ b/eStore - Documentação/_Apresentação.pptx
@@ -210,7 +210,7 @@
           <a:p>
             <a:fld id="{5981151E-57A5-451D-823B-97E9BDD18950}" type="datetimeFigureOut">
               <a:rPr lang="pt-BR" smtClean="0"/>
-              <a:t>09/03/2017</a:t>
+              <a:t>10/03/2017</a:t>
             </a:fld>
             <a:endParaRPr lang="pt-BR"/>
           </a:p>
@@ -965,7 +965,7 @@
           <a:p>
             <a:fld id="{6FE4468B-BFE5-40EA-B168-7946B3DB28BD}" type="datetimeFigureOut">
               <a:rPr lang="pt-BR" smtClean="0"/>
-              <a:t>09/03/2017</a:t>
+              <a:t>10/03/2017</a:t>
             </a:fld>
             <a:endParaRPr lang="pt-BR"/>
           </a:p>
@@ -1144,7 +1144,7 @@
           <a:p>
             <a:fld id="{6FE4468B-BFE5-40EA-B168-7946B3DB28BD}" type="datetimeFigureOut">
               <a:rPr lang="pt-BR" smtClean="0"/>
-              <a:t>09/03/2017</a:t>
+              <a:t>10/03/2017</a:t>
             </a:fld>
             <a:endParaRPr lang="pt-BR"/>
           </a:p>
@@ -1324,7 +1324,7 @@
           <a:p>
             <a:fld id="{6FE4468B-BFE5-40EA-B168-7946B3DB28BD}" type="datetimeFigureOut">
               <a:rPr lang="pt-BR" smtClean="0"/>
-              <a:t>09/03/2017</a:t>
+              <a:t>10/03/2017</a:t>
             </a:fld>
             <a:endParaRPr lang="pt-BR"/>
           </a:p>
@@ -1494,7 +1494,7 @@
           <a:p>
             <a:fld id="{6FE4468B-BFE5-40EA-B168-7946B3DB28BD}" type="datetimeFigureOut">
               <a:rPr lang="pt-BR" smtClean="0"/>
-              <a:t>09/03/2017</a:t>
+              <a:t>10/03/2017</a:t>
             </a:fld>
             <a:endParaRPr lang="pt-BR"/>
           </a:p>
@@ -1807,7 +1807,7 @@
           <a:p>
             <a:fld id="{6FE4468B-BFE5-40EA-B168-7946B3DB28BD}" type="datetimeFigureOut">
               <a:rPr lang="pt-BR" smtClean="0"/>
-              <a:t>09/03/2017</a:t>
+              <a:t>10/03/2017</a:t>
             </a:fld>
             <a:endParaRPr lang="pt-BR"/>
           </a:p>
@@ -2193,7 +2193,7 @@
           <a:p>
             <a:fld id="{6FE4468B-BFE5-40EA-B168-7946B3DB28BD}" type="datetimeFigureOut">
               <a:rPr lang="pt-BR" smtClean="0"/>
-              <a:t>09/03/2017</a:t>
+              <a:t>10/03/2017</a:t>
             </a:fld>
             <a:endParaRPr lang="pt-BR"/>
           </a:p>
@@ -2627,7 +2627,7 @@
           <a:p>
             <a:fld id="{6FE4468B-BFE5-40EA-B168-7946B3DB28BD}" type="datetimeFigureOut">
               <a:rPr lang="pt-BR" smtClean="0"/>
-              <a:t>09/03/2017</a:t>
+              <a:t>10/03/2017</a:t>
             </a:fld>
             <a:endParaRPr lang="pt-BR"/>
           </a:p>
@@ -2745,7 +2745,7 @@
           <a:p>
             <a:fld id="{6FE4468B-BFE5-40EA-B168-7946B3DB28BD}" type="datetimeFigureOut">
               <a:rPr lang="pt-BR" smtClean="0"/>
-              <a:t>09/03/2017</a:t>
+              <a:t>10/03/2017</a:t>
             </a:fld>
             <a:endParaRPr lang="pt-BR"/>
           </a:p>
@@ -2840,7 +2840,7 @@
           <a:p>
             <a:fld id="{6FE4468B-BFE5-40EA-B168-7946B3DB28BD}" type="datetimeFigureOut">
               <a:rPr lang="pt-BR" smtClean="0"/>
-              <a:t>09/03/2017</a:t>
+              <a:t>10/03/2017</a:t>
             </a:fld>
             <a:endParaRPr lang="pt-BR"/>
           </a:p>
@@ -3190,7 +3190,7 @@
           <a:p>
             <a:fld id="{6FE4468B-BFE5-40EA-B168-7946B3DB28BD}" type="datetimeFigureOut">
               <a:rPr lang="pt-BR" smtClean="0"/>
-              <a:t>09/03/2017</a:t>
+              <a:t>10/03/2017</a:t>
             </a:fld>
             <a:endParaRPr lang="pt-BR"/>
           </a:p>
@@ -3615,7 +3615,7 @@
           <a:p>
             <a:fld id="{6FE4468B-BFE5-40EA-B168-7946B3DB28BD}" type="datetimeFigureOut">
               <a:rPr lang="pt-BR" smtClean="0"/>
-              <a:t>09/03/2017</a:t>
+              <a:t>10/03/2017</a:t>
             </a:fld>
             <a:endParaRPr lang="pt-BR"/>
           </a:p>
@@ -3896,7 +3896,7 @@
           <a:p>
             <a:fld id="{6FE4468B-BFE5-40EA-B168-7946B3DB28BD}" type="datetimeFigureOut">
               <a:rPr lang="pt-BR" smtClean="0"/>
-              <a:t>09/03/2017</a:t>
+              <a:t>10/03/2017</a:t>
             </a:fld>
             <a:endParaRPr lang="pt-BR"/>
           </a:p>
@@ -4621,25 +4621,6 @@
           </a:p>
         </p:txBody>
       </p:sp>
-      <p:sp>
-        <p:nvSpPr>
-          <p:cNvPr id="5" name="Espaço Reservado para Texto 4"/>
-          <p:cNvSpPr>
-            <a:spLocks noGrp="1"/>
-          </p:cNvSpPr>
-          <p:nvPr>
-            <p:ph type="body" idx="1"/>
-          </p:nvPr>
-        </p:nvSpPr>
-        <p:spPr/>
-        <p:txBody>
-          <a:bodyPr/>
-          <a:lstStyle/>
-          <a:p>
-            <a:endParaRPr lang="pt-BR"/>
-          </a:p>
-        </p:txBody>
-      </p:sp>
     </p:spTree>
     <p:extLst>
       <p:ext uri="{BB962C8B-B14F-4D97-AF65-F5344CB8AC3E}">
@@ -4805,22 +4786,59 @@
           <a:bodyPr/>
           <a:lstStyle/>
           <a:p>
+            <a:pPr lvl="0"/>
+            <a:r>
+              <a:rPr lang="pt-BR" dirty="0"/>
+              <a:t>Gerenciar Pedido</a:t>
+            </a:r>
+          </a:p>
+          <a:p>
+            <a:pPr lvl="1"/>
+            <a:r>
+              <a:rPr lang="pt-BR" dirty="0"/>
+              <a:t>Clicar no botão Manager da página inicial</a:t>
+            </a:r>
+          </a:p>
+          <a:p>
+            <a:pPr lvl="1"/>
+            <a:r>
+              <a:rPr lang="pt-BR" dirty="0"/>
+              <a:t>Clique na opção  Pedido -&gt;&gt;&gt; </a:t>
+            </a:r>
             <a:r>
               <a:rPr lang="pt-BR" dirty="0" smtClean="0"/>
-              <a:t>Listar Pedido</a:t>
-            </a:r>
-          </a:p>
-          <a:p>
+              <a:t>Gerenciar Pedido</a:t>
+            </a:r>
+            <a:endParaRPr lang="pt-BR" dirty="0"/>
+          </a:p>
+          <a:p>
+            <a:pPr lvl="1"/>
+            <a:r>
+              <a:rPr lang="pt-BR" dirty="0"/>
+              <a:t>Selecione um pedido e clique em </a:t>
+            </a:r>
             <a:r>
               <a:rPr lang="pt-BR" dirty="0" smtClean="0"/>
-              <a:t>Alterar Status do Pedido</a:t>
-            </a:r>
-          </a:p>
-          <a:p>
-            <a:r>
-              <a:rPr lang="pt-BR" dirty="0" smtClean="0"/>
-              <a:t>Cancelar Pedido</a:t>
-            </a:r>
+              <a:t>Editar Pedido</a:t>
+            </a:r>
+            <a:endParaRPr lang="pt-BR" dirty="0"/>
+          </a:p>
+          <a:p>
+            <a:pPr lvl="1"/>
+            <a:r>
+              <a:rPr lang="pt-BR" dirty="0"/>
+              <a:t>Altere o status do pedido</a:t>
+            </a:r>
+          </a:p>
+          <a:p>
+            <a:pPr lvl="1"/>
+            <a:r>
+              <a:rPr lang="pt-BR" dirty="0"/>
+              <a:t>Clique em salvar</a:t>
+            </a:r>
+          </a:p>
+          <a:p>
+            <a:endParaRPr lang="pt-BR" dirty="0" smtClean="0"/>
           </a:p>
         </p:txBody>
       </p:sp>
@@ -5091,9 +5109,42 @@
           <a:p>
             <a:r>
               <a:rPr lang="pt-BR" dirty="0" smtClean="0"/>
-              <a:t>Descrição do Projeto</a:t>
-            </a:r>
-            <a:endParaRPr lang="pt-BR" dirty="0"/>
+              <a:t>Loja virtual adaptável (explicar conceito)</a:t>
+            </a:r>
+          </a:p>
+          <a:p>
+            <a:r>
+              <a:rPr lang="pt-BR" dirty="0" smtClean="0"/>
+              <a:t>Gerenciamento de Produtos, Categorias, Pedidos, Promoções, Estoque, </a:t>
+            </a:r>
+            <a:r>
+              <a:rPr lang="pt-BR" dirty="0" err="1" smtClean="0"/>
+              <a:t>etc</a:t>
+            </a:r>
+            <a:endParaRPr lang="pt-BR" dirty="0" smtClean="0"/>
+          </a:p>
+          <a:p>
+            <a:r>
+              <a:rPr lang="pt-BR" dirty="0" smtClean="0"/>
+              <a:t>Templates configuráveis</a:t>
+            </a:r>
+          </a:p>
+          <a:p>
+            <a:endParaRPr lang="pt-BR" dirty="0" smtClean="0"/>
+          </a:p>
+          <a:p>
+            <a:r>
+              <a:rPr lang="pt-BR" dirty="0" smtClean="0"/>
+              <a:t>Voltado a </a:t>
+            </a:r>
+            <a:r>
+              <a:rPr lang="pt-BR" dirty="0" smtClean="0"/>
+              <a:t>lojas de pequeno e médio porte</a:t>
+            </a:r>
+            <a:endParaRPr lang="pt-BR" dirty="0" smtClean="0"/>
+          </a:p>
+          <a:p>
+            <a:endParaRPr lang="pt-BR" dirty="0" smtClean="0"/>
           </a:p>
         </p:txBody>
       </p:sp>
@@ -5249,25 +5300,6 @@
               <a:t>Gerenciar produto</a:t>
             </a:r>
             <a:endParaRPr lang="pt-BR" dirty="0"/>
-          </a:p>
-        </p:txBody>
-      </p:sp>
-      <p:sp>
-        <p:nvSpPr>
-          <p:cNvPr id="5" name="Espaço Reservado para Texto 4"/>
-          <p:cNvSpPr>
-            <a:spLocks noGrp="1"/>
-          </p:cNvSpPr>
-          <p:nvPr>
-            <p:ph type="body" idx="1"/>
-          </p:nvPr>
-        </p:nvSpPr>
-        <p:spPr/>
-        <p:txBody>
-          <a:bodyPr/>
-          <a:lstStyle/>
-          <a:p>
-            <a:endParaRPr lang="pt-BR"/>
           </a:p>
         </p:txBody>
       </p:sp>
@@ -5410,42 +5442,178 @@
         </p:nvSpPr>
         <p:spPr/>
         <p:txBody>
-          <a:bodyPr/>
+          <a:bodyPr>
+            <a:normAutofit fontScale="85000" lnSpcReduction="20000"/>
+          </a:bodyPr>
           <a:lstStyle/>
           <a:p>
             <a:r>
               <a:rPr lang="pt-BR" dirty="0" smtClean="0"/>
-              <a:t>Criar Produto</a:t>
+              <a:t>Listar Produtos Cadastrados</a:t>
+            </a:r>
+          </a:p>
+          <a:p>
+            <a:r>
+              <a:rPr lang="pt-BR" dirty="0" smtClean="0"/>
+              <a:t>Cadastrar </a:t>
+            </a:r>
+            <a:r>
+              <a:rPr lang="pt-BR" dirty="0"/>
+              <a:t>um Produto</a:t>
             </a:r>
           </a:p>
           <a:p>
             <a:pPr lvl="1"/>
             <a:r>
               <a:rPr lang="pt-BR" dirty="0" smtClean="0"/>
-              <a:t>Criar Categoria</a:t>
+              <a:t>Clicar </a:t>
+            </a:r>
+            <a:r>
+              <a:rPr lang="pt-BR" dirty="0"/>
+              <a:t>no botão Manager da página inicial</a:t>
             </a:r>
           </a:p>
           <a:p>
             <a:pPr lvl="1"/>
-            <a:endParaRPr lang="pt-BR" dirty="0" smtClean="0"/>
-          </a:p>
-          <a:p>
             <a:r>
               <a:rPr lang="pt-BR" dirty="0" smtClean="0"/>
-              <a:t>Editar Produto</a:t>
-            </a:r>
-          </a:p>
-          <a:p>
+              <a:t>Clicar </a:t>
+            </a:r>
+            <a:r>
+              <a:rPr lang="pt-BR" dirty="0"/>
+              <a:t>na opção Produtos </a:t>
+            </a:r>
             <a:r>
               <a:rPr lang="pt-BR" dirty="0" smtClean="0"/>
+              <a:t>&gt; Criar Novo Produto</a:t>
+            </a:r>
+            <a:endParaRPr lang="pt-BR" dirty="0"/>
+          </a:p>
+          <a:p>
+            <a:pPr lvl="1"/>
+            <a:r>
+              <a:rPr lang="pt-BR" dirty="0" smtClean="0"/>
+              <a:t>Digitar </a:t>
+            </a:r>
+            <a:r>
+              <a:rPr lang="pt-BR" dirty="0"/>
+              <a:t>o código, nome, preço, </a:t>
+            </a:r>
+            <a:r>
+              <a:rPr lang="pt-BR" dirty="0" smtClean="0"/>
+              <a:t>estoque</a:t>
+            </a:r>
+            <a:r>
+              <a:rPr lang="pt-BR" dirty="0"/>
+              <a:t>, </a:t>
+            </a:r>
+            <a:r>
+              <a:rPr lang="pt-BR" dirty="0" smtClean="0"/>
+              <a:t>descrição, </a:t>
+            </a:r>
+            <a:r>
+              <a:rPr lang="pt-BR" dirty="0"/>
+              <a:t>ordem e </a:t>
+            </a:r>
+            <a:r>
+              <a:rPr lang="pt-BR" dirty="0" smtClean="0"/>
+              <a:t>se está bloqueado.</a:t>
+            </a:r>
+            <a:endParaRPr lang="pt-BR" dirty="0"/>
+          </a:p>
+          <a:p>
+            <a:pPr lvl="1"/>
+            <a:r>
+              <a:rPr lang="pt-BR" dirty="0" smtClean="0"/>
+              <a:t>Clicar </a:t>
+            </a:r>
+            <a:r>
+              <a:rPr lang="pt-BR" dirty="0"/>
+              <a:t>em Criar </a:t>
+            </a:r>
+            <a:r>
+              <a:rPr lang="pt-BR" dirty="0" smtClean="0"/>
+              <a:t>produto</a:t>
+            </a:r>
+          </a:p>
+          <a:p>
+            <a:pPr lvl="0"/>
+            <a:r>
+              <a:rPr lang="pt-BR" dirty="0"/>
+              <a:t>Editar produto</a:t>
+            </a:r>
+          </a:p>
+          <a:p>
+            <a:pPr lvl="1"/>
+            <a:r>
+              <a:rPr lang="pt-BR" dirty="0"/>
+              <a:t>Clicar na opção Produtos </a:t>
+            </a:r>
+            <a:r>
+              <a:rPr lang="pt-BR" dirty="0" smtClean="0"/>
+              <a:t>&gt; Gerenciar  Produtos</a:t>
+            </a:r>
+            <a:endParaRPr lang="pt-BR" dirty="0"/>
+          </a:p>
+          <a:p>
+            <a:pPr lvl="1"/>
+            <a:r>
+              <a:rPr lang="pt-BR" dirty="0"/>
+              <a:t>Escolha um produto e clique em editar</a:t>
+            </a:r>
+          </a:p>
+          <a:p>
+            <a:pPr lvl="1"/>
+            <a:r>
+              <a:rPr lang="pt-BR" dirty="0"/>
+              <a:t>Altere o nome do produto</a:t>
+            </a:r>
+          </a:p>
+          <a:p>
+            <a:pPr lvl="1"/>
+            <a:r>
+              <a:rPr lang="pt-BR" dirty="0"/>
+              <a:t>Clique em </a:t>
+            </a:r>
+            <a:r>
+              <a:rPr lang="pt-BR" dirty="0" smtClean="0"/>
+              <a:t>salvar</a:t>
+            </a:r>
+          </a:p>
+          <a:p>
+            <a:pPr lvl="0"/>
+            <a:r>
+              <a:rPr lang="pt-BR" dirty="0"/>
               <a:t>Deletar Produto</a:t>
             </a:r>
           </a:p>
           <a:p>
+            <a:pPr lvl="1"/>
+            <a:r>
+              <a:rPr lang="pt-BR" dirty="0"/>
+              <a:t>Clicar na opção Produtos </a:t>
+            </a:r>
             <a:r>
               <a:rPr lang="pt-BR" dirty="0" smtClean="0"/>
-              <a:t>Listar Produto</a:t>
-            </a:r>
+              <a:t>&gt; Gerenciar  Produtos</a:t>
+            </a:r>
+            <a:endParaRPr lang="pt-BR" dirty="0"/>
+          </a:p>
+          <a:p>
+            <a:pPr lvl="1"/>
+            <a:r>
+              <a:rPr lang="pt-BR" dirty="0"/>
+              <a:t>Escolha um produto e clique em deletar</a:t>
+            </a:r>
+          </a:p>
+          <a:p>
+            <a:pPr lvl="1"/>
+            <a:r>
+              <a:rPr lang="pt-BR" dirty="0"/>
+              <a:t>Clique em deletar novamente</a:t>
+            </a:r>
+          </a:p>
+          <a:p>
             <a:endParaRPr lang="pt-BR" dirty="0"/>
           </a:p>
         </p:txBody>
@@ -5671,7 +5839,93 @@
           <a:bodyPr/>
           <a:lstStyle/>
           <a:p>
-            <a:endParaRPr lang="pt-BR"/>
+            <a:pPr lvl="0"/>
+            <a:r>
+              <a:rPr lang="pt-BR" dirty="0"/>
+              <a:t>Efetuar cadastro na aplicação</a:t>
+            </a:r>
+          </a:p>
+          <a:p>
+            <a:pPr lvl="1"/>
+            <a:r>
+              <a:rPr lang="pt-BR" dirty="0"/>
+              <a:t>Digitar o nome, sobrenome, </a:t>
+            </a:r>
+            <a:r>
+              <a:rPr lang="pt-BR" dirty="0" smtClean="0"/>
+              <a:t>e-mail, </a:t>
+            </a:r>
+            <a:r>
+              <a:rPr lang="pt-BR" dirty="0"/>
+              <a:t>gênero, senha e confirmar senha.</a:t>
+            </a:r>
+          </a:p>
+          <a:p>
+            <a:pPr lvl="1"/>
+            <a:r>
+              <a:rPr lang="pt-BR" dirty="0"/>
+              <a:t>Após preencher os campos é só clicar em criar </a:t>
+            </a:r>
+            <a:r>
+              <a:rPr lang="pt-BR" dirty="0" smtClean="0"/>
+              <a:t>conta</a:t>
+            </a:r>
+          </a:p>
+          <a:p>
+            <a:pPr lvl="0"/>
+            <a:r>
+              <a:rPr lang="pt-BR" dirty="0" smtClean="0"/>
+              <a:t>Realizar </a:t>
+            </a:r>
+            <a:r>
+              <a:rPr lang="pt-BR" dirty="0"/>
+              <a:t>Compra</a:t>
+            </a:r>
+          </a:p>
+          <a:p>
+            <a:pPr lvl="1"/>
+            <a:r>
+              <a:rPr lang="pt-BR" dirty="0"/>
+              <a:t>Vá para a página da loja do cliente</a:t>
+            </a:r>
+          </a:p>
+          <a:p>
+            <a:pPr lvl="1"/>
+            <a:r>
+              <a:rPr lang="pt-BR" dirty="0"/>
+              <a:t>Escolha um produto e na imagem do produto</a:t>
+            </a:r>
+          </a:p>
+          <a:p>
+            <a:pPr lvl="1"/>
+            <a:r>
+              <a:rPr lang="pt-BR" dirty="0"/>
+              <a:t>Clique na opção Comprar</a:t>
+            </a:r>
+          </a:p>
+          <a:p>
+            <a:pPr lvl="1"/>
+            <a:r>
+              <a:rPr lang="pt-BR" dirty="0"/>
+              <a:t>Clique em fechar compra</a:t>
+            </a:r>
+          </a:p>
+          <a:p>
+            <a:pPr lvl="1"/>
+            <a:r>
+              <a:rPr lang="pt-BR" dirty="0"/>
+              <a:t>Digite os dados de pagamento</a:t>
+            </a:r>
+          </a:p>
+          <a:p>
+            <a:pPr lvl="1"/>
+            <a:r>
+              <a:rPr lang="pt-BR" dirty="0"/>
+              <a:t>Visualize as informações de que a compra foi efetuada com sucesso</a:t>
+            </a:r>
+          </a:p>
+          <a:p>
+            <a:endParaRPr lang="pt-BR" dirty="0"/>
           </a:p>
         </p:txBody>
       </p:sp>

--- a/eStore - Documentação/_Apresentação.pptx
+++ b/eStore - Documentação/_Apresentação.pptx
@@ -2,7 +2,7 @@
 <file path=ppt/presentation.xml><?xml version="1.0" encoding="utf-8"?>
 <p:presentation xmlns:a="http://schemas.openxmlformats.org/drawingml/2006/main" xmlns:r="http://schemas.openxmlformats.org/officeDocument/2006/relationships" xmlns:p="http://schemas.openxmlformats.org/presentationml/2006/main" saveSubsetFonts="1">
   <p:sldMasterIdLst>
-    <p:sldMasterId id="2147483783" r:id="rId1"/>
+    <p:sldMasterId id="2147483807" r:id="rId1"/>
   </p:sldMasterIdLst>
   <p:notesMasterIdLst>
     <p:notesMasterId r:id="rId16"/>
@@ -1025,7 +1025,7 @@
     </p:spTree>
     <p:extLst>
       <p:ext uri="{BB962C8B-B14F-4D97-AF65-F5344CB8AC3E}">
-        <p14:creationId xmlns:p14="http://schemas.microsoft.com/office/powerpoint/2010/main" val="2430536340"/>
+        <p14:creationId xmlns:p14="http://schemas.microsoft.com/office/powerpoint/2010/main" val="2526256391"/>
       </p:ext>
     </p:extLst>
   </p:cSld>
@@ -1195,7 +1195,7 @@
     </p:spTree>
     <p:extLst>
       <p:ext uri="{BB962C8B-B14F-4D97-AF65-F5344CB8AC3E}">
-        <p14:creationId xmlns:p14="http://schemas.microsoft.com/office/powerpoint/2010/main" val="2278208951"/>
+        <p14:creationId xmlns:p14="http://schemas.microsoft.com/office/powerpoint/2010/main" val="1710679959"/>
       </p:ext>
     </p:extLst>
   </p:cSld>
@@ -1375,7 +1375,7 @@
     </p:spTree>
     <p:extLst>
       <p:ext uri="{BB962C8B-B14F-4D97-AF65-F5344CB8AC3E}">
-        <p14:creationId xmlns:p14="http://schemas.microsoft.com/office/powerpoint/2010/main" val="3664133548"/>
+        <p14:creationId xmlns:p14="http://schemas.microsoft.com/office/powerpoint/2010/main" val="1502145969"/>
       </p:ext>
     </p:extLst>
   </p:cSld>
@@ -1545,7 +1545,7 @@
     </p:spTree>
     <p:extLst>
       <p:ext uri="{BB962C8B-B14F-4D97-AF65-F5344CB8AC3E}">
-        <p14:creationId xmlns:p14="http://schemas.microsoft.com/office/powerpoint/2010/main" val="1562203010"/>
+        <p14:creationId xmlns:p14="http://schemas.microsoft.com/office/powerpoint/2010/main" val="2145792372"/>
       </p:ext>
     </p:extLst>
   </p:cSld>
@@ -1956,7 +1956,7 @@
     </p:spTree>
     <p:extLst>
       <p:ext uri="{BB962C8B-B14F-4D97-AF65-F5344CB8AC3E}">
-        <p14:creationId xmlns:p14="http://schemas.microsoft.com/office/powerpoint/2010/main" val="3958545263"/>
+        <p14:creationId xmlns:p14="http://schemas.microsoft.com/office/powerpoint/2010/main" val="3224757392"/>
       </p:ext>
     </p:extLst>
   </p:cSld>
@@ -2244,7 +2244,7 @@
     </p:spTree>
     <p:extLst>
       <p:ext uri="{BB962C8B-B14F-4D97-AF65-F5344CB8AC3E}">
-        <p14:creationId xmlns:p14="http://schemas.microsoft.com/office/powerpoint/2010/main" val="131337609"/>
+        <p14:creationId xmlns:p14="http://schemas.microsoft.com/office/powerpoint/2010/main" val="3535158988"/>
       </p:ext>
     </p:extLst>
   </p:cSld>
@@ -2678,7 +2678,7 @@
     </p:spTree>
     <p:extLst>
       <p:ext uri="{BB962C8B-B14F-4D97-AF65-F5344CB8AC3E}">
-        <p14:creationId xmlns:p14="http://schemas.microsoft.com/office/powerpoint/2010/main" val="1669881970"/>
+        <p14:creationId xmlns:p14="http://schemas.microsoft.com/office/powerpoint/2010/main" val="1321321572"/>
       </p:ext>
     </p:extLst>
   </p:cSld>
@@ -2796,7 +2796,7 @@
     </p:spTree>
     <p:extLst>
       <p:ext uri="{BB962C8B-B14F-4D97-AF65-F5344CB8AC3E}">
-        <p14:creationId xmlns:p14="http://schemas.microsoft.com/office/powerpoint/2010/main" val="3558522969"/>
+        <p14:creationId xmlns:p14="http://schemas.microsoft.com/office/powerpoint/2010/main" val="24675154"/>
       </p:ext>
     </p:extLst>
   </p:cSld>
@@ -2891,7 +2891,7 @@
     </p:spTree>
     <p:extLst>
       <p:ext uri="{BB962C8B-B14F-4D97-AF65-F5344CB8AC3E}">
-        <p14:creationId xmlns:p14="http://schemas.microsoft.com/office/powerpoint/2010/main" val="3175949295"/>
+        <p14:creationId xmlns:p14="http://schemas.microsoft.com/office/powerpoint/2010/main" val="3319274412"/>
       </p:ext>
     </p:extLst>
   </p:cSld>
@@ -3330,7 +3330,7 @@
     </p:spTree>
     <p:extLst>
       <p:ext uri="{BB962C8B-B14F-4D97-AF65-F5344CB8AC3E}">
-        <p14:creationId xmlns:p14="http://schemas.microsoft.com/office/powerpoint/2010/main" val="2559688014"/>
+        <p14:creationId xmlns:p14="http://schemas.microsoft.com/office/powerpoint/2010/main" val="3651950125"/>
       </p:ext>
     </p:extLst>
   </p:cSld>
@@ -3736,7 +3736,7 @@
     </p:spTree>
     <p:extLst>
       <p:ext uri="{BB962C8B-B14F-4D97-AF65-F5344CB8AC3E}">
-        <p14:creationId xmlns:p14="http://schemas.microsoft.com/office/powerpoint/2010/main" val="145640377"/>
+        <p14:creationId xmlns:p14="http://schemas.microsoft.com/office/powerpoint/2010/main" val="3465347900"/>
       </p:ext>
     </p:extLst>
   </p:cSld>
@@ -4069,23 +4069,23 @@
     </p:spTree>
     <p:extLst>
       <p:ext uri="{BB962C8B-B14F-4D97-AF65-F5344CB8AC3E}">
-        <p14:creationId xmlns:p14="http://schemas.microsoft.com/office/powerpoint/2010/main" val="4028916917"/>
+        <p14:creationId xmlns:p14="http://schemas.microsoft.com/office/powerpoint/2010/main" val="3219802784"/>
       </p:ext>
     </p:extLst>
   </p:cSld>
   <p:clrMap bg1="lt1" tx1="dk1" bg2="lt2" tx2="dk2" accent1="accent1" accent2="accent2" accent3="accent3" accent4="accent4" accent5="accent5" accent6="accent6" hlink="hlink" folHlink="folHlink"/>
   <p:sldLayoutIdLst>
-    <p:sldLayoutId id="2147483784" r:id="rId1"/>
-    <p:sldLayoutId id="2147483785" r:id="rId2"/>
-    <p:sldLayoutId id="2147483786" r:id="rId3"/>
-    <p:sldLayoutId id="2147483787" r:id="rId4"/>
-    <p:sldLayoutId id="2147483788" r:id="rId5"/>
-    <p:sldLayoutId id="2147483789" r:id="rId6"/>
-    <p:sldLayoutId id="2147483790" r:id="rId7"/>
-    <p:sldLayoutId id="2147483791" r:id="rId8"/>
-    <p:sldLayoutId id="2147483792" r:id="rId9"/>
-    <p:sldLayoutId id="2147483793" r:id="rId10"/>
-    <p:sldLayoutId id="2147483794" r:id="rId11"/>
+    <p:sldLayoutId id="2147483808" r:id="rId1"/>
+    <p:sldLayoutId id="2147483809" r:id="rId2"/>
+    <p:sldLayoutId id="2147483810" r:id="rId3"/>
+    <p:sldLayoutId id="2147483811" r:id="rId4"/>
+    <p:sldLayoutId id="2147483812" r:id="rId5"/>
+    <p:sldLayoutId id="2147483813" r:id="rId6"/>
+    <p:sldLayoutId id="2147483814" r:id="rId7"/>
+    <p:sldLayoutId id="2147483815" r:id="rId8"/>
+    <p:sldLayoutId id="2147483816" r:id="rId9"/>
+    <p:sldLayoutId id="2147483817" r:id="rId10"/>
+    <p:sldLayoutId id="2147483818" r:id="rId11"/>
   </p:sldLayoutIdLst>
   <p:txStyles>
     <p:titleStyle>
@@ -4765,7 +4765,11 @@
           <a:p>
             <a:r>
               <a:rPr lang="pt-BR" dirty="0" smtClean="0"/>
-              <a:t>Roteiro de testes</a:t>
+              <a:t>Roteiro de </a:t>
+            </a:r>
+            <a:r>
+              <a:rPr lang="pt-BR" dirty="0" smtClean="0"/>
+              <a:t>Testes</a:t>
             </a:r>
             <a:endParaRPr lang="pt-BR" dirty="0"/>
           </a:p>
@@ -4896,7 +4900,15 @@
           <a:p>
             <a:r>
               <a:rPr lang="pt-BR" dirty="0" smtClean="0"/>
-              <a:t>Diagramas de sequência (se necessário)</a:t>
+              <a:t>Diagramas de </a:t>
+            </a:r>
+            <a:r>
+              <a:rPr lang="pt-BR" dirty="0" smtClean="0"/>
+              <a:t>Sequência </a:t>
+            </a:r>
+            <a:r>
+              <a:rPr lang="pt-BR" dirty="0" smtClean="0"/>
+              <a:t>(se necessário)</a:t>
             </a:r>
             <a:endParaRPr lang="pt-BR" dirty="0"/>
           </a:p>
@@ -5086,7 +5098,11 @@
           <a:p>
             <a:r>
               <a:rPr lang="pt-BR" dirty="0" smtClean="0"/>
-              <a:t>O projeto</a:t>
+              <a:t>O </a:t>
+            </a:r>
+            <a:r>
+              <a:rPr lang="pt-BR" dirty="0" smtClean="0"/>
+              <a:t>Projeto</a:t>
             </a:r>
             <a:endParaRPr lang="pt-BR" dirty="0"/>
           </a:p>
@@ -5135,13 +5151,8 @@
           <a:p>
             <a:r>
               <a:rPr lang="pt-BR" dirty="0" smtClean="0"/>
-              <a:t>Voltado a </a:t>
-            </a:r>
-            <a:r>
-              <a:rPr lang="pt-BR" dirty="0" smtClean="0"/>
-              <a:t>lojas de pequeno e médio porte</a:t>
-            </a:r>
-            <a:endParaRPr lang="pt-BR" dirty="0" smtClean="0"/>
+              <a:t>Voltado a lojas de pequeno e médio porte</a:t>
+            </a:r>
           </a:p>
           <a:p>
             <a:endParaRPr lang="pt-BR" dirty="0" smtClean="0"/>
@@ -5202,7 +5213,11 @@
           <a:p>
             <a:r>
               <a:rPr lang="pt-BR" dirty="0" smtClean="0"/>
-              <a:t>Casos de uso implementados</a:t>
+              <a:t>Casos de </a:t>
+            </a:r>
+            <a:r>
+              <a:rPr lang="pt-BR" dirty="0" smtClean="0"/>
+              <a:t>Uso Implementados</a:t>
             </a:r>
             <a:endParaRPr lang="pt-BR" dirty="0"/>
           </a:p>
@@ -5297,7 +5312,11 @@
           <a:p>
             <a:r>
               <a:rPr lang="pt-BR" dirty="0" smtClean="0"/>
-              <a:t>Gerenciar produto</a:t>
+              <a:t>Gerenciar </a:t>
+            </a:r>
+            <a:r>
+              <a:rPr lang="pt-BR" dirty="0" smtClean="0"/>
+              <a:t>Produto</a:t>
             </a:r>
             <a:endParaRPr lang="pt-BR" dirty="0"/>
           </a:p>
@@ -5424,7 +5443,11 @@
           <a:p>
             <a:r>
               <a:rPr lang="pt-BR" dirty="0" smtClean="0"/>
-              <a:t>Roteiro de testes</a:t>
+              <a:t>Roteiro de </a:t>
+            </a:r>
+            <a:r>
+              <a:rPr lang="pt-BR" dirty="0" smtClean="0"/>
+              <a:t>Testes</a:t>
             </a:r>
             <a:endParaRPr lang="pt-BR" dirty="0"/>
           </a:p>
